--- a/cancer.pptx
+++ b/cancer.pptx
@@ -7,6 +7,9 @@
   <p:sldIdLst>
     <p:sldId id="256" r:id="rId2"/>
     <p:sldId id="257" r:id="rId3"/>
+    <p:sldId id="258" r:id="rId4"/>
+    <p:sldId id="259" r:id="rId5"/>
+    <p:sldId id="260" r:id="rId6"/>
   </p:sldIdLst>
   <p:sldSz cx="12192000" cy="6858000"/>
   <p:notesSz cx="6858000" cy="9144000"/>
@@ -105,6 +108,11 @@
       </a:defRPr>
     </a:lvl9pPr>
   </p:defaultTextStyle>
+  <p:extLst>
+    <p:ext uri="{EFAFB233-063F-42B5-8137-9DF3F51BA10A}">
+      <p15:sldGuideLst xmlns:p15="http://schemas.microsoft.com/office/powerpoint/2012/main"/>
+    </p:ext>
+  </p:extLst>
 </p:presentation>
 </file>
 
@@ -3619,10 +3627,610 @@
           </a:prstGeom>
         </p:spPr>
       </p:pic>
+      <p:sp>
+        <p:nvSpPr>
+          <p:cNvPr id="2" name="TextBox 1">
+            <a:extLst>
+              <a:ext uri="{FF2B5EF4-FFF2-40B4-BE49-F238E27FC236}">
+                <a16:creationId xmlns:a16="http://schemas.microsoft.com/office/drawing/2014/main" id="{F31F2283-81EE-7575-557B-1FDBC9FB78FB}"/>
+              </a:ext>
+            </a:extLst>
+          </p:cNvPr>
+          <p:cNvSpPr txBox="1"/>
+          <p:nvPr/>
+        </p:nvSpPr>
+        <p:spPr>
+          <a:xfrm>
+            <a:off x="7031155" y="353999"/>
+            <a:ext cx="4883150" cy="369332"/>
+          </a:xfrm>
+          <a:prstGeom prst="rect">
+            <a:avLst/>
+          </a:prstGeom>
+          <a:noFill/>
+        </p:spPr>
+        <p:txBody>
+          <a:bodyPr wrap="square">
+            <a:spAutoFit/>
+          </a:bodyPr>
+          <a:lstStyle/>
+          <a:p>
+            <a:r>
+              <a:rPr lang="en-US" altLang="ko-KR" dirty="0"/>
+              <a:t>Data-augmentation</a:t>
+            </a:r>
+            <a:endParaRPr lang="ko-KR" altLang="en-US" dirty="0"/>
+          </a:p>
+        </p:txBody>
+      </p:sp>
     </p:spTree>
     <p:extLst>
       <p:ext uri="{BB962C8B-B14F-4D97-AF65-F5344CB8AC3E}">
         <p14:creationId xmlns:p14="http://schemas.microsoft.com/office/powerpoint/2010/main" val="3666334606"/>
+      </p:ext>
+    </p:extLst>
+  </p:cSld>
+  <p:clrMapOvr>
+    <a:masterClrMapping/>
+  </p:clrMapOvr>
+</p:sld>
+</file>
+
+<file path=ppt/slides/slide3.xml><?xml version="1.0" encoding="utf-8"?>
+<p:sld xmlns:a="http://schemas.openxmlformats.org/drawingml/2006/main" xmlns:r="http://schemas.openxmlformats.org/officeDocument/2006/relationships" xmlns:p="http://schemas.openxmlformats.org/presentationml/2006/main">
+  <p:cSld>
+    <p:spTree>
+      <p:nvGrpSpPr>
+        <p:cNvPr id="1" name=""/>
+        <p:cNvGrpSpPr/>
+        <p:nvPr/>
+      </p:nvGrpSpPr>
+      <p:grpSpPr>
+        <a:xfrm>
+          <a:off x="0" y="0"/>
+          <a:ext cx="0" cy="0"/>
+          <a:chOff x="0" y="0"/>
+          <a:chExt cx="0" cy="0"/>
+        </a:xfrm>
+      </p:grpSpPr>
+      <p:pic>
+        <p:nvPicPr>
+          <p:cNvPr id="7" name="그림 6">
+            <a:extLst>
+              <a:ext uri="{FF2B5EF4-FFF2-40B4-BE49-F238E27FC236}">
+                <a16:creationId xmlns:a16="http://schemas.microsoft.com/office/drawing/2014/main" id="{826C38BF-6F12-6E30-DF9B-1638AE753CE6}"/>
+              </a:ext>
+            </a:extLst>
+          </p:cNvPr>
+          <p:cNvPicPr>
+            <a:picLocks noChangeAspect="1"/>
+          </p:cNvPicPr>
+          <p:nvPr/>
+        </p:nvPicPr>
+        <p:blipFill>
+          <a:blip r:embed="rId2"/>
+          <a:stretch>
+            <a:fillRect/>
+          </a:stretch>
+        </p:blipFill>
+        <p:spPr>
+          <a:xfrm>
+            <a:off x="84603" y="3331689"/>
+            <a:ext cx="6011397" cy="2864220"/>
+          </a:xfrm>
+          <a:prstGeom prst="rect">
+            <a:avLst/>
+          </a:prstGeom>
+        </p:spPr>
+      </p:pic>
+      <p:sp>
+        <p:nvSpPr>
+          <p:cNvPr id="10" name="TextBox 9">
+            <a:extLst>
+              <a:ext uri="{FF2B5EF4-FFF2-40B4-BE49-F238E27FC236}">
+                <a16:creationId xmlns:a16="http://schemas.microsoft.com/office/drawing/2014/main" id="{A71F367F-A8E8-7354-A8CA-E6F860387AE8}"/>
+              </a:ext>
+            </a:extLst>
+          </p:cNvPr>
+          <p:cNvSpPr txBox="1"/>
+          <p:nvPr/>
+        </p:nvSpPr>
+        <p:spPr>
+          <a:xfrm>
+            <a:off x="2931910" y="0"/>
+            <a:ext cx="6097022" cy="369332"/>
+          </a:xfrm>
+          <a:prstGeom prst="rect">
+            <a:avLst/>
+          </a:prstGeom>
+          <a:noFill/>
+        </p:spPr>
+        <p:txBody>
+          <a:bodyPr wrap="square">
+            <a:spAutoFit/>
+          </a:bodyPr>
+          <a:lstStyle/>
+          <a:p>
+            <a:r>
+              <a:rPr lang="ko-KR" altLang="en-US" dirty="0" err="1"/>
+              <a:t>Xavier</a:t>
+            </a:r>
+            <a:r>
+              <a:rPr lang="ko-KR" altLang="en-US" dirty="0"/>
+              <a:t> </a:t>
+            </a:r>
+            <a:r>
+              <a:rPr lang="ko-KR" altLang="en-US" dirty="0" err="1"/>
+              <a:t>vs</a:t>
+            </a:r>
+            <a:r>
+              <a:rPr lang="ko-KR" altLang="en-US" dirty="0"/>
+              <a:t> </a:t>
+            </a:r>
+            <a:r>
+              <a:rPr lang="ko-KR" altLang="en-US" dirty="0" err="1"/>
+              <a:t>Kaiming</a:t>
+            </a:r>
+            <a:endParaRPr lang="ko-KR" altLang="en-US" dirty="0"/>
+          </a:p>
+        </p:txBody>
+      </p:sp>
+      <p:pic>
+        <p:nvPicPr>
+          <p:cNvPr id="12" name="그림 11">
+            <a:extLst>
+              <a:ext uri="{FF2B5EF4-FFF2-40B4-BE49-F238E27FC236}">
+                <a16:creationId xmlns:a16="http://schemas.microsoft.com/office/drawing/2014/main" id="{38E45DCA-13C5-AF2C-7E1F-BB2D91D5839F}"/>
+              </a:ext>
+            </a:extLst>
+          </p:cNvPr>
+          <p:cNvPicPr>
+            <a:picLocks noChangeAspect="1"/>
+          </p:cNvPicPr>
+          <p:nvPr/>
+        </p:nvPicPr>
+        <p:blipFill>
+          <a:blip r:embed="rId3"/>
+          <a:stretch>
+            <a:fillRect/>
+          </a:stretch>
+        </p:blipFill>
+        <p:spPr>
+          <a:xfrm>
+            <a:off x="6096001" y="544796"/>
+            <a:ext cx="5943536" cy="2786921"/>
+          </a:xfrm>
+          <a:prstGeom prst="rect">
+            <a:avLst/>
+          </a:prstGeom>
+        </p:spPr>
+      </p:pic>
+      <p:pic>
+        <p:nvPicPr>
+          <p:cNvPr id="14" name="그림 13">
+            <a:extLst>
+              <a:ext uri="{FF2B5EF4-FFF2-40B4-BE49-F238E27FC236}">
+                <a16:creationId xmlns:a16="http://schemas.microsoft.com/office/drawing/2014/main" id="{E1BFA589-7028-1A99-0057-3B5E33D1E26E}"/>
+              </a:ext>
+            </a:extLst>
+          </p:cNvPr>
+          <p:cNvPicPr>
+            <a:picLocks noChangeAspect="1"/>
+          </p:cNvPicPr>
+          <p:nvPr/>
+        </p:nvPicPr>
+        <p:blipFill>
+          <a:blip r:embed="rId4"/>
+          <a:stretch>
+            <a:fillRect/>
+          </a:stretch>
+        </p:blipFill>
+        <p:spPr>
+          <a:xfrm>
+            <a:off x="6096000" y="3331690"/>
+            <a:ext cx="6011397" cy="2846896"/>
+          </a:xfrm>
+          <a:prstGeom prst="rect">
+            <a:avLst/>
+          </a:prstGeom>
+        </p:spPr>
+      </p:pic>
+      <p:pic>
+        <p:nvPicPr>
+          <p:cNvPr id="16" name="그림 15">
+            <a:extLst>
+              <a:ext uri="{FF2B5EF4-FFF2-40B4-BE49-F238E27FC236}">
+                <a16:creationId xmlns:a16="http://schemas.microsoft.com/office/drawing/2014/main" id="{DFD52E92-DB2C-C8C8-0C22-761EFD15E632}"/>
+              </a:ext>
+            </a:extLst>
+          </p:cNvPr>
+          <p:cNvPicPr>
+            <a:picLocks noChangeAspect="1"/>
+          </p:cNvPicPr>
+          <p:nvPr/>
+        </p:nvPicPr>
+        <p:blipFill>
+          <a:blip r:embed="rId5"/>
+          <a:stretch>
+            <a:fillRect/>
+          </a:stretch>
+        </p:blipFill>
+        <p:spPr>
+          <a:xfrm>
+            <a:off x="152463" y="527704"/>
+            <a:ext cx="5943536" cy="2803984"/>
+          </a:xfrm>
+          <a:prstGeom prst="rect">
+            <a:avLst/>
+          </a:prstGeom>
+        </p:spPr>
+      </p:pic>
+    </p:spTree>
+    <p:extLst>
+      <p:ext uri="{BB962C8B-B14F-4D97-AF65-F5344CB8AC3E}">
+        <p14:creationId xmlns:p14="http://schemas.microsoft.com/office/powerpoint/2010/main" val="2654503131"/>
+      </p:ext>
+    </p:extLst>
+  </p:cSld>
+  <p:clrMapOvr>
+    <a:masterClrMapping/>
+  </p:clrMapOvr>
+</p:sld>
+</file>
+
+<file path=ppt/slides/slide4.xml><?xml version="1.0" encoding="utf-8"?>
+<p:sld xmlns:a="http://schemas.openxmlformats.org/drawingml/2006/main" xmlns:r="http://schemas.openxmlformats.org/officeDocument/2006/relationships" xmlns:p="http://schemas.openxmlformats.org/presentationml/2006/main">
+  <p:cSld>
+    <p:spTree>
+      <p:nvGrpSpPr>
+        <p:cNvPr id="1" name=""/>
+        <p:cNvGrpSpPr/>
+        <p:nvPr/>
+      </p:nvGrpSpPr>
+      <p:grpSpPr>
+        <a:xfrm>
+          <a:off x="0" y="0"/>
+          <a:ext cx="0" cy="0"/>
+          <a:chOff x="0" y="0"/>
+          <a:chExt cx="0" cy="0"/>
+        </a:xfrm>
+      </p:grpSpPr>
+      <p:pic>
+        <p:nvPicPr>
+          <p:cNvPr id="7" name="그림 6">
+            <a:extLst>
+              <a:ext uri="{FF2B5EF4-FFF2-40B4-BE49-F238E27FC236}">
+                <a16:creationId xmlns:a16="http://schemas.microsoft.com/office/drawing/2014/main" id="{826C38BF-6F12-6E30-DF9B-1638AE753CE6}"/>
+              </a:ext>
+            </a:extLst>
+          </p:cNvPr>
+          <p:cNvPicPr>
+            <a:picLocks noChangeAspect="1"/>
+          </p:cNvPicPr>
+          <p:nvPr/>
+        </p:nvPicPr>
+        <p:blipFill>
+          <a:blip r:embed="rId2"/>
+          <a:stretch>
+            <a:fillRect/>
+          </a:stretch>
+        </p:blipFill>
+        <p:spPr>
+          <a:xfrm>
+            <a:off x="84603" y="3331689"/>
+            <a:ext cx="6011397" cy="2864220"/>
+          </a:xfrm>
+          <a:prstGeom prst="rect">
+            <a:avLst/>
+          </a:prstGeom>
+        </p:spPr>
+      </p:pic>
+      <p:sp>
+        <p:nvSpPr>
+          <p:cNvPr id="10" name="TextBox 9">
+            <a:extLst>
+              <a:ext uri="{FF2B5EF4-FFF2-40B4-BE49-F238E27FC236}">
+                <a16:creationId xmlns:a16="http://schemas.microsoft.com/office/drawing/2014/main" id="{A71F367F-A8E8-7354-A8CA-E6F860387AE8}"/>
+              </a:ext>
+            </a:extLst>
+          </p:cNvPr>
+          <p:cNvSpPr txBox="1"/>
+          <p:nvPr/>
+        </p:nvSpPr>
+        <p:spPr>
+          <a:xfrm>
+            <a:off x="2931910" y="0"/>
+            <a:ext cx="6097022" cy="369332"/>
+          </a:xfrm>
+          <a:prstGeom prst="rect">
+            <a:avLst/>
+          </a:prstGeom>
+          <a:noFill/>
+        </p:spPr>
+        <p:txBody>
+          <a:bodyPr wrap="square">
+            <a:spAutoFit/>
+          </a:bodyPr>
+          <a:lstStyle/>
+          <a:p>
+            <a:r>
+              <a:rPr lang="ko-KR" altLang="en-US" dirty="0" err="1"/>
+              <a:t>Xavier</a:t>
+            </a:r>
+            <a:r>
+              <a:rPr lang="ko-KR" altLang="en-US" dirty="0"/>
+              <a:t> </a:t>
+            </a:r>
+            <a:r>
+              <a:rPr lang="ko-KR" altLang="en-US" dirty="0" err="1"/>
+              <a:t>vs</a:t>
+            </a:r>
+            <a:r>
+              <a:rPr lang="ko-KR" altLang="en-US" dirty="0"/>
+              <a:t> </a:t>
+            </a:r>
+            <a:r>
+              <a:rPr lang="ko-KR" altLang="en-US" dirty="0" err="1"/>
+              <a:t>Kaiming</a:t>
+            </a:r>
+            <a:endParaRPr lang="ko-KR" altLang="en-US" dirty="0"/>
+          </a:p>
+        </p:txBody>
+      </p:sp>
+      <p:pic>
+        <p:nvPicPr>
+          <p:cNvPr id="12" name="그림 11">
+            <a:extLst>
+              <a:ext uri="{FF2B5EF4-FFF2-40B4-BE49-F238E27FC236}">
+                <a16:creationId xmlns:a16="http://schemas.microsoft.com/office/drawing/2014/main" id="{38E45DCA-13C5-AF2C-7E1F-BB2D91D5839F}"/>
+              </a:ext>
+            </a:extLst>
+          </p:cNvPr>
+          <p:cNvPicPr>
+            <a:picLocks noChangeAspect="1"/>
+          </p:cNvPicPr>
+          <p:nvPr/>
+        </p:nvPicPr>
+        <p:blipFill>
+          <a:blip r:embed="rId3"/>
+          <a:stretch>
+            <a:fillRect/>
+          </a:stretch>
+        </p:blipFill>
+        <p:spPr>
+          <a:xfrm>
+            <a:off x="6096001" y="544796"/>
+            <a:ext cx="5943536" cy="2786921"/>
+          </a:xfrm>
+          <a:prstGeom prst="rect">
+            <a:avLst/>
+          </a:prstGeom>
+        </p:spPr>
+      </p:pic>
+      <p:pic>
+        <p:nvPicPr>
+          <p:cNvPr id="14" name="그림 13">
+            <a:extLst>
+              <a:ext uri="{FF2B5EF4-FFF2-40B4-BE49-F238E27FC236}">
+                <a16:creationId xmlns:a16="http://schemas.microsoft.com/office/drawing/2014/main" id="{E1BFA589-7028-1A99-0057-3B5E33D1E26E}"/>
+              </a:ext>
+            </a:extLst>
+          </p:cNvPr>
+          <p:cNvPicPr>
+            <a:picLocks noChangeAspect="1"/>
+          </p:cNvPicPr>
+          <p:nvPr/>
+        </p:nvPicPr>
+        <p:blipFill>
+          <a:blip r:embed="rId4"/>
+          <a:stretch>
+            <a:fillRect/>
+          </a:stretch>
+        </p:blipFill>
+        <p:spPr>
+          <a:xfrm>
+            <a:off x="6096000" y="3331690"/>
+            <a:ext cx="6011397" cy="2846896"/>
+          </a:xfrm>
+          <a:prstGeom prst="rect">
+            <a:avLst/>
+          </a:prstGeom>
+        </p:spPr>
+      </p:pic>
+      <p:pic>
+        <p:nvPicPr>
+          <p:cNvPr id="16" name="그림 15">
+            <a:extLst>
+              <a:ext uri="{FF2B5EF4-FFF2-40B4-BE49-F238E27FC236}">
+                <a16:creationId xmlns:a16="http://schemas.microsoft.com/office/drawing/2014/main" id="{DFD52E92-DB2C-C8C8-0C22-761EFD15E632}"/>
+              </a:ext>
+            </a:extLst>
+          </p:cNvPr>
+          <p:cNvPicPr>
+            <a:picLocks noChangeAspect="1"/>
+          </p:cNvPicPr>
+          <p:nvPr/>
+        </p:nvPicPr>
+        <p:blipFill>
+          <a:blip r:embed="rId5"/>
+          <a:stretch>
+            <a:fillRect/>
+          </a:stretch>
+        </p:blipFill>
+        <p:spPr>
+          <a:xfrm>
+            <a:off x="152463" y="527704"/>
+            <a:ext cx="5943536" cy="2803984"/>
+          </a:xfrm>
+          <a:prstGeom prst="rect">
+            <a:avLst/>
+          </a:prstGeom>
+        </p:spPr>
+      </p:pic>
+    </p:spTree>
+    <p:extLst>
+      <p:ext uri="{BB962C8B-B14F-4D97-AF65-F5344CB8AC3E}">
+        <p14:creationId xmlns:p14="http://schemas.microsoft.com/office/powerpoint/2010/main" val="2300749216"/>
+      </p:ext>
+    </p:extLst>
+  </p:cSld>
+  <p:clrMapOvr>
+    <a:masterClrMapping/>
+  </p:clrMapOvr>
+</p:sld>
+</file>
+
+<file path=ppt/slides/slide5.xml><?xml version="1.0" encoding="utf-8"?>
+<p:sld xmlns:a="http://schemas.openxmlformats.org/drawingml/2006/main" xmlns:r="http://schemas.openxmlformats.org/officeDocument/2006/relationships" xmlns:p="http://schemas.openxmlformats.org/presentationml/2006/main">
+  <p:cSld>
+    <p:spTree>
+      <p:nvGrpSpPr>
+        <p:cNvPr id="1" name=""/>
+        <p:cNvGrpSpPr/>
+        <p:nvPr/>
+      </p:nvGrpSpPr>
+      <p:grpSpPr>
+        <a:xfrm>
+          <a:off x="0" y="0"/>
+          <a:ext cx="0" cy="0"/>
+          <a:chOff x="0" y="0"/>
+          <a:chExt cx="0" cy="0"/>
+        </a:xfrm>
+      </p:grpSpPr>
+      <p:sp>
+        <p:nvSpPr>
+          <p:cNvPr id="10" name="TextBox 9">
+            <a:extLst>
+              <a:ext uri="{FF2B5EF4-FFF2-40B4-BE49-F238E27FC236}">
+                <a16:creationId xmlns:a16="http://schemas.microsoft.com/office/drawing/2014/main" id="{A71F367F-A8E8-7354-A8CA-E6F860387AE8}"/>
+              </a:ext>
+            </a:extLst>
+          </p:cNvPr>
+          <p:cNvSpPr txBox="1"/>
+          <p:nvPr/>
+        </p:nvSpPr>
+        <p:spPr>
+          <a:xfrm>
+            <a:off x="2931910" y="0"/>
+            <a:ext cx="6097022" cy="369332"/>
+          </a:xfrm>
+          <a:prstGeom prst="rect">
+            <a:avLst/>
+          </a:prstGeom>
+          <a:noFill/>
+        </p:spPr>
+        <p:txBody>
+          <a:bodyPr wrap="square">
+            <a:spAutoFit/>
+          </a:bodyPr>
+          <a:lstStyle/>
+          <a:p>
+            <a:r>
+              <a:rPr lang="en-US" altLang="ko-KR" dirty="0"/>
+              <a:t>Activation </a:t>
+            </a:r>
+            <a:r>
+              <a:rPr lang="en-US" altLang="ko-KR" dirty="0" err="1"/>
+              <a:t>Fn</a:t>
+            </a:r>
+            <a:endParaRPr lang="ko-KR" altLang="en-US" dirty="0"/>
+          </a:p>
+        </p:txBody>
+      </p:sp>
+      <p:pic>
+        <p:nvPicPr>
+          <p:cNvPr id="5" name="그림 4">
+            <a:extLst>
+              <a:ext uri="{FF2B5EF4-FFF2-40B4-BE49-F238E27FC236}">
+                <a16:creationId xmlns:a16="http://schemas.microsoft.com/office/drawing/2014/main" id="{282A62FF-F873-F190-8124-192E4C3F51CD}"/>
+              </a:ext>
+            </a:extLst>
+          </p:cNvPr>
+          <p:cNvPicPr>
+            <a:picLocks noChangeAspect="1"/>
+          </p:cNvPicPr>
+          <p:nvPr/>
+        </p:nvPicPr>
+        <p:blipFill>
+          <a:blip r:embed="rId2"/>
+          <a:stretch>
+            <a:fillRect/>
+          </a:stretch>
+        </p:blipFill>
+        <p:spPr>
+          <a:xfrm>
+            <a:off x="84603" y="999720"/>
+            <a:ext cx="6011397" cy="2328358"/>
+          </a:xfrm>
+          <a:prstGeom prst="rect">
+            <a:avLst/>
+          </a:prstGeom>
+        </p:spPr>
+      </p:pic>
+      <p:pic>
+        <p:nvPicPr>
+          <p:cNvPr id="11" name="그림 10">
+            <a:extLst>
+              <a:ext uri="{FF2B5EF4-FFF2-40B4-BE49-F238E27FC236}">
+                <a16:creationId xmlns:a16="http://schemas.microsoft.com/office/drawing/2014/main" id="{1782426F-59BC-7227-1513-9D9A675A7358}"/>
+              </a:ext>
+            </a:extLst>
+          </p:cNvPr>
+          <p:cNvPicPr>
+            <a:picLocks noChangeAspect="1"/>
+          </p:cNvPicPr>
+          <p:nvPr/>
+        </p:nvPicPr>
+        <p:blipFill>
+          <a:blip r:embed="rId3"/>
+          <a:stretch>
+            <a:fillRect/>
+          </a:stretch>
+        </p:blipFill>
+        <p:spPr>
+          <a:xfrm>
+            <a:off x="84603" y="3328078"/>
+            <a:ext cx="6011397" cy="2333062"/>
+          </a:xfrm>
+          <a:prstGeom prst="rect">
+            <a:avLst/>
+          </a:prstGeom>
+        </p:spPr>
+      </p:pic>
+      <p:pic>
+        <p:nvPicPr>
+          <p:cNvPr id="15" name="그림 14">
+            <a:extLst>
+              <a:ext uri="{FF2B5EF4-FFF2-40B4-BE49-F238E27FC236}">
+                <a16:creationId xmlns:a16="http://schemas.microsoft.com/office/drawing/2014/main" id="{B28DCC53-96D0-3F20-2B64-ABD066A936A2}"/>
+              </a:ext>
+            </a:extLst>
+          </p:cNvPr>
+          <p:cNvPicPr>
+            <a:picLocks noChangeAspect="1"/>
+          </p:cNvPicPr>
+          <p:nvPr/>
+        </p:nvPicPr>
+        <p:blipFill>
+          <a:blip r:embed="rId4"/>
+          <a:stretch>
+            <a:fillRect/>
+          </a:stretch>
+        </p:blipFill>
+        <p:spPr>
+          <a:xfrm>
+            <a:off x="6096000" y="1700693"/>
+            <a:ext cx="4621822" cy="2878092"/>
+          </a:xfrm>
+          <a:prstGeom prst="rect">
+            <a:avLst/>
+          </a:prstGeom>
+        </p:spPr>
+      </p:pic>
+    </p:spTree>
+    <p:extLst>
+      <p:ext uri="{BB962C8B-B14F-4D97-AF65-F5344CB8AC3E}">
+        <p14:creationId xmlns:p14="http://schemas.microsoft.com/office/powerpoint/2010/main" val="2433431122"/>
       </p:ext>
     </p:extLst>
   </p:cSld>

--- a/cancer.pptx
+++ b/cancer.pptx
@@ -4,12 +4,23 @@
   <p:sldMasterIdLst>
     <p:sldMasterId id="2147483648" r:id="rId1"/>
   </p:sldMasterIdLst>
+  <p:notesMasterIdLst>
+    <p:notesMasterId r:id="rId15"/>
+  </p:notesMasterIdLst>
   <p:sldIdLst>
     <p:sldId id="256" r:id="rId2"/>
     <p:sldId id="257" r:id="rId3"/>
     <p:sldId id="258" r:id="rId4"/>
-    <p:sldId id="259" r:id="rId5"/>
-    <p:sldId id="260" r:id="rId6"/>
+    <p:sldId id="260" r:id="rId5"/>
+    <p:sldId id="261" r:id="rId6"/>
+    <p:sldId id="259" r:id="rId7"/>
+    <p:sldId id="262" r:id="rId8"/>
+    <p:sldId id="263" r:id="rId9"/>
+    <p:sldId id="264" r:id="rId10"/>
+    <p:sldId id="265" r:id="rId11"/>
+    <p:sldId id="266" r:id="rId12"/>
+    <p:sldId id="267" r:id="rId13"/>
+    <p:sldId id="268" r:id="rId14"/>
   </p:sldIdLst>
   <p:sldSz cx="12192000" cy="6858000"/>
   <p:notesSz cx="6858000" cy="9144000"/>
@@ -116,6 +127,523 @@
 </p:presentation>
 </file>
 
+<file path=ppt/notesMasters/notesMaster1.xml><?xml version="1.0" encoding="utf-8"?>
+<p:notesMaster xmlns:a="http://schemas.openxmlformats.org/drawingml/2006/main" xmlns:r="http://schemas.openxmlformats.org/officeDocument/2006/relationships" xmlns:p="http://schemas.openxmlformats.org/presentationml/2006/main">
+  <p:cSld>
+    <p:bg>
+      <p:bgRef idx="1001">
+        <a:schemeClr val="bg1"/>
+      </p:bgRef>
+    </p:bg>
+    <p:spTree>
+      <p:nvGrpSpPr>
+        <p:cNvPr id="1" name=""/>
+        <p:cNvGrpSpPr/>
+        <p:nvPr/>
+      </p:nvGrpSpPr>
+      <p:grpSpPr>
+        <a:xfrm>
+          <a:off x="0" y="0"/>
+          <a:ext cx="0" cy="0"/>
+          <a:chOff x="0" y="0"/>
+          <a:chExt cx="0" cy="0"/>
+        </a:xfrm>
+      </p:grpSpPr>
+      <p:sp>
+        <p:nvSpPr>
+          <p:cNvPr id="2" name="머리글 개체 틀 1"/>
+          <p:cNvSpPr>
+            <a:spLocks noGrp="1"/>
+          </p:cNvSpPr>
+          <p:nvPr>
+            <p:ph type="hdr" sz="quarter"/>
+          </p:nvPr>
+        </p:nvSpPr>
+        <p:spPr>
+          <a:xfrm>
+            <a:off x="0" y="0"/>
+            <a:ext cx="2971800" cy="458788"/>
+          </a:xfrm>
+          <a:prstGeom prst="rect">
+            <a:avLst/>
+          </a:prstGeom>
+        </p:spPr>
+        <p:txBody>
+          <a:bodyPr vert="horz" lIns="91440" tIns="45720" rIns="91440" bIns="45720" rtlCol="0"/>
+          <a:lstStyle>
+            <a:lvl1pPr algn="l">
+              <a:defRPr sz="1200"/>
+            </a:lvl1pPr>
+          </a:lstStyle>
+          <a:p>
+            <a:endParaRPr lang="ko-KR" altLang="en-US"/>
+          </a:p>
+        </p:txBody>
+      </p:sp>
+      <p:sp>
+        <p:nvSpPr>
+          <p:cNvPr id="3" name="날짜 개체 틀 2"/>
+          <p:cNvSpPr>
+            <a:spLocks noGrp="1"/>
+          </p:cNvSpPr>
+          <p:nvPr>
+            <p:ph type="dt" idx="1"/>
+          </p:nvPr>
+        </p:nvSpPr>
+        <p:spPr>
+          <a:xfrm>
+            <a:off x="3884613" y="0"/>
+            <a:ext cx="2971800" cy="458788"/>
+          </a:xfrm>
+          <a:prstGeom prst="rect">
+            <a:avLst/>
+          </a:prstGeom>
+        </p:spPr>
+        <p:txBody>
+          <a:bodyPr vert="horz" lIns="91440" tIns="45720" rIns="91440" bIns="45720" rtlCol="0"/>
+          <a:lstStyle>
+            <a:lvl1pPr algn="r">
+              <a:defRPr sz="1200"/>
+            </a:lvl1pPr>
+          </a:lstStyle>
+          <a:p>
+            <a:fld id="{8C7A2F6F-5F34-4FF5-A8DA-3D694F6E902F}" type="datetimeFigureOut">
+              <a:rPr lang="ko-KR" altLang="en-US" smtClean="0"/>
+              <a:t>2024-06-21</a:t>
+            </a:fld>
+            <a:endParaRPr lang="ko-KR" altLang="en-US"/>
+          </a:p>
+        </p:txBody>
+      </p:sp>
+      <p:sp>
+        <p:nvSpPr>
+          <p:cNvPr id="4" name="슬라이드 이미지 개체 틀 3"/>
+          <p:cNvSpPr>
+            <a:spLocks noGrp="1" noRot="1" noChangeAspect="1"/>
+          </p:cNvSpPr>
+          <p:nvPr>
+            <p:ph type="sldImg" idx="2"/>
+          </p:nvPr>
+        </p:nvSpPr>
+        <p:spPr>
+          <a:xfrm>
+            <a:off x="685800" y="1143000"/>
+            <a:ext cx="5486400" cy="3086100"/>
+          </a:xfrm>
+          <a:prstGeom prst="rect">
+            <a:avLst/>
+          </a:prstGeom>
+          <a:noFill/>
+          <a:ln w="12700">
+            <a:solidFill>
+              <a:prstClr val="black"/>
+            </a:solidFill>
+          </a:ln>
+        </p:spPr>
+        <p:txBody>
+          <a:bodyPr vert="horz" lIns="91440" tIns="45720" rIns="91440" bIns="45720" rtlCol="0" anchor="ctr"/>
+          <a:lstStyle/>
+          <a:p>
+            <a:endParaRPr lang="ko-KR" altLang="en-US"/>
+          </a:p>
+        </p:txBody>
+      </p:sp>
+      <p:sp>
+        <p:nvSpPr>
+          <p:cNvPr id="5" name="슬라이드 노트 개체 틀 4"/>
+          <p:cNvSpPr>
+            <a:spLocks noGrp="1"/>
+          </p:cNvSpPr>
+          <p:nvPr>
+            <p:ph type="body" sz="quarter" idx="3"/>
+          </p:nvPr>
+        </p:nvSpPr>
+        <p:spPr>
+          <a:xfrm>
+            <a:off x="685800" y="4400550"/>
+            <a:ext cx="5486400" cy="3600450"/>
+          </a:xfrm>
+          <a:prstGeom prst="rect">
+            <a:avLst/>
+          </a:prstGeom>
+        </p:spPr>
+        <p:txBody>
+          <a:bodyPr vert="horz" lIns="91440" tIns="45720" rIns="91440" bIns="45720" rtlCol="0"/>
+          <a:lstStyle/>
+          <a:p>
+            <a:pPr lvl="0"/>
+            <a:r>
+              <a:rPr lang="ko-KR" altLang="en-US"/>
+              <a:t>마스터 텍스트 스타일을 편집하려면 클릭</a:t>
+            </a:r>
+          </a:p>
+          <a:p>
+            <a:pPr lvl="1"/>
+            <a:r>
+              <a:rPr lang="ko-KR" altLang="en-US"/>
+              <a:t>두 번째 수준</a:t>
+            </a:r>
+          </a:p>
+          <a:p>
+            <a:pPr lvl="2"/>
+            <a:r>
+              <a:rPr lang="ko-KR" altLang="en-US"/>
+              <a:t>세 번째 수준</a:t>
+            </a:r>
+          </a:p>
+          <a:p>
+            <a:pPr lvl="3"/>
+            <a:r>
+              <a:rPr lang="ko-KR" altLang="en-US"/>
+              <a:t>네 번째 수준</a:t>
+            </a:r>
+          </a:p>
+          <a:p>
+            <a:pPr lvl="4"/>
+            <a:r>
+              <a:rPr lang="ko-KR" altLang="en-US"/>
+              <a:t>다섯 번째 수준</a:t>
+            </a:r>
+          </a:p>
+        </p:txBody>
+      </p:sp>
+      <p:sp>
+        <p:nvSpPr>
+          <p:cNvPr id="6" name="바닥글 개체 틀 5"/>
+          <p:cNvSpPr>
+            <a:spLocks noGrp="1"/>
+          </p:cNvSpPr>
+          <p:nvPr>
+            <p:ph type="ftr" sz="quarter" idx="4"/>
+          </p:nvPr>
+        </p:nvSpPr>
+        <p:spPr>
+          <a:xfrm>
+            <a:off x="0" y="8685213"/>
+            <a:ext cx="2971800" cy="458787"/>
+          </a:xfrm>
+          <a:prstGeom prst="rect">
+            <a:avLst/>
+          </a:prstGeom>
+        </p:spPr>
+        <p:txBody>
+          <a:bodyPr vert="horz" lIns="91440" tIns="45720" rIns="91440" bIns="45720" rtlCol="0" anchor="b"/>
+          <a:lstStyle>
+            <a:lvl1pPr algn="l">
+              <a:defRPr sz="1200"/>
+            </a:lvl1pPr>
+          </a:lstStyle>
+          <a:p>
+            <a:endParaRPr lang="ko-KR" altLang="en-US"/>
+          </a:p>
+        </p:txBody>
+      </p:sp>
+      <p:sp>
+        <p:nvSpPr>
+          <p:cNvPr id="7" name="슬라이드 번호 개체 틀 6"/>
+          <p:cNvSpPr>
+            <a:spLocks noGrp="1"/>
+          </p:cNvSpPr>
+          <p:nvPr>
+            <p:ph type="sldNum" sz="quarter" idx="5"/>
+          </p:nvPr>
+        </p:nvSpPr>
+        <p:spPr>
+          <a:xfrm>
+            <a:off x="3884613" y="8685213"/>
+            <a:ext cx="2971800" cy="458787"/>
+          </a:xfrm>
+          <a:prstGeom prst="rect">
+            <a:avLst/>
+          </a:prstGeom>
+        </p:spPr>
+        <p:txBody>
+          <a:bodyPr vert="horz" lIns="91440" tIns="45720" rIns="91440" bIns="45720" rtlCol="0" anchor="b"/>
+          <a:lstStyle>
+            <a:lvl1pPr algn="r">
+              <a:defRPr sz="1200"/>
+            </a:lvl1pPr>
+          </a:lstStyle>
+          <a:p>
+            <a:fld id="{FFDAED96-C39F-4021-93D7-D94359BC4204}" type="slidenum">
+              <a:rPr lang="ko-KR" altLang="en-US" smtClean="0"/>
+              <a:t>‹#›</a:t>
+            </a:fld>
+            <a:endParaRPr lang="ko-KR" altLang="en-US"/>
+          </a:p>
+        </p:txBody>
+      </p:sp>
+    </p:spTree>
+    <p:extLst>
+      <p:ext uri="{BB962C8B-B14F-4D97-AF65-F5344CB8AC3E}">
+        <p14:creationId xmlns:p14="http://schemas.microsoft.com/office/powerpoint/2010/main" val="3634143473"/>
+      </p:ext>
+    </p:extLst>
+  </p:cSld>
+  <p:clrMap bg1="lt1" tx1="dk1" bg2="lt2" tx2="dk2" accent1="accent1" accent2="accent2" accent3="accent3" accent4="accent4" accent5="accent5" accent6="accent6" hlink="hlink" folHlink="folHlink"/>
+  <p:notesStyle>
+    <a:lvl1pPr marL="0" algn="l" defTabSz="914400" rtl="0" eaLnBrk="1" latinLnBrk="1" hangingPunct="1">
+      <a:defRPr sz="1200" kern="1200">
+        <a:solidFill>
+          <a:schemeClr val="tx1"/>
+        </a:solidFill>
+        <a:latin typeface="+mn-lt"/>
+        <a:ea typeface="+mn-ea"/>
+        <a:cs typeface="+mn-cs"/>
+      </a:defRPr>
+    </a:lvl1pPr>
+    <a:lvl2pPr marL="457200" algn="l" defTabSz="914400" rtl="0" eaLnBrk="1" latinLnBrk="1" hangingPunct="1">
+      <a:defRPr sz="1200" kern="1200">
+        <a:solidFill>
+          <a:schemeClr val="tx1"/>
+        </a:solidFill>
+        <a:latin typeface="+mn-lt"/>
+        <a:ea typeface="+mn-ea"/>
+        <a:cs typeface="+mn-cs"/>
+      </a:defRPr>
+    </a:lvl2pPr>
+    <a:lvl3pPr marL="914400" algn="l" defTabSz="914400" rtl="0" eaLnBrk="1" latinLnBrk="1" hangingPunct="1">
+      <a:defRPr sz="1200" kern="1200">
+        <a:solidFill>
+          <a:schemeClr val="tx1"/>
+        </a:solidFill>
+        <a:latin typeface="+mn-lt"/>
+        <a:ea typeface="+mn-ea"/>
+        <a:cs typeface="+mn-cs"/>
+      </a:defRPr>
+    </a:lvl3pPr>
+    <a:lvl4pPr marL="1371600" algn="l" defTabSz="914400" rtl="0" eaLnBrk="1" latinLnBrk="1" hangingPunct="1">
+      <a:defRPr sz="1200" kern="1200">
+        <a:solidFill>
+          <a:schemeClr val="tx1"/>
+        </a:solidFill>
+        <a:latin typeface="+mn-lt"/>
+        <a:ea typeface="+mn-ea"/>
+        <a:cs typeface="+mn-cs"/>
+      </a:defRPr>
+    </a:lvl4pPr>
+    <a:lvl5pPr marL="1828800" algn="l" defTabSz="914400" rtl="0" eaLnBrk="1" latinLnBrk="1" hangingPunct="1">
+      <a:defRPr sz="1200" kern="1200">
+        <a:solidFill>
+          <a:schemeClr val="tx1"/>
+        </a:solidFill>
+        <a:latin typeface="+mn-lt"/>
+        <a:ea typeface="+mn-ea"/>
+        <a:cs typeface="+mn-cs"/>
+      </a:defRPr>
+    </a:lvl5pPr>
+    <a:lvl6pPr marL="2286000" algn="l" defTabSz="914400" rtl="0" eaLnBrk="1" latinLnBrk="1" hangingPunct="1">
+      <a:defRPr sz="1200" kern="1200">
+        <a:solidFill>
+          <a:schemeClr val="tx1"/>
+        </a:solidFill>
+        <a:latin typeface="+mn-lt"/>
+        <a:ea typeface="+mn-ea"/>
+        <a:cs typeface="+mn-cs"/>
+      </a:defRPr>
+    </a:lvl6pPr>
+    <a:lvl7pPr marL="2743200" algn="l" defTabSz="914400" rtl="0" eaLnBrk="1" latinLnBrk="1" hangingPunct="1">
+      <a:defRPr sz="1200" kern="1200">
+        <a:solidFill>
+          <a:schemeClr val="tx1"/>
+        </a:solidFill>
+        <a:latin typeface="+mn-lt"/>
+        <a:ea typeface="+mn-ea"/>
+        <a:cs typeface="+mn-cs"/>
+      </a:defRPr>
+    </a:lvl7pPr>
+    <a:lvl8pPr marL="3200400" algn="l" defTabSz="914400" rtl="0" eaLnBrk="1" latinLnBrk="1" hangingPunct="1">
+      <a:defRPr sz="1200" kern="1200">
+        <a:solidFill>
+          <a:schemeClr val="tx1"/>
+        </a:solidFill>
+        <a:latin typeface="+mn-lt"/>
+        <a:ea typeface="+mn-ea"/>
+        <a:cs typeface="+mn-cs"/>
+      </a:defRPr>
+    </a:lvl8pPr>
+    <a:lvl9pPr marL="3657600" algn="l" defTabSz="914400" rtl="0" eaLnBrk="1" latinLnBrk="1" hangingPunct="1">
+      <a:defRPr sz="1200" kern="1200">
+        <a:solidFill>
+          <a:schemeClr val="tx1"/>
+        </a:solidFill>
+        <a:latin typeface="+mn-lt"/>
+        <a:ea typeface="+mn-ea"/>
+        <a:cs typeface="+mn-cs"/>
+      </a:defRPr>
+    </a:lvl9pPr>
+  </p:notesStyle>
+</p:notesMaster>
+</file>
+
+<file path=ppt/notesSlides/notesSlide1.xml><?xml version="1.0" encoding="utf-8"?>
+<p:notes xmlns:a="http://schemas.openxmlformats.org/drawingml/2006/main" xmlns:r="http://schemas.openxmlformats.org/officeDocument/2006/relationships" xmlns:p="http://schemas.openxmlformats.org/presentationml/2006/main">
+  <p:cSld>
+    <p:spTree>
+      <p:nvGrpSpPr>
+        <p:cNvPr id="1" name=""/>
+        <p:cNvGrpSpPr/>
+        <p:nvPr/>
+      </p:nvGrpSpPr>
+      <p:grpSpPr>
+        <a:xfrm>
+          <a:off x="0" y="0"/>
+          <a:ext cx="0" cy="0"/>
+          <a:chOff x="0" y="0"/>
+          <a:chExt cx="0" cy="0"/>
+        </a:xfrm>
+      </p:grpSpPr>
+      <p:sp>
+        <p:nvSpPr>
+          <p:cNvPr id="2" name="슬라이드 이미지 개체 틀 1"/>
+          <p:cNvSpPr>
+            <a:spLocks noGrp="1" noRot="1" noChangeAspect="1"/>
+          </p:cNvSpPr>
+          <p:nvPr>
+            <p:ph type="sldImg"/>
+          </p:nvPr>
+        </p:nvSpPr>
+        <p:spPr/>
+      </p:sp>
+      <p:sp>
+        <p:nvSpPr>
+          <p:cNvPr id="3" name="슬라이드 노트 개체 틀 2"/>
+          <p:cNvSpPr>
+            <a:spLocks noGrp="1"/>
+          </p:cNvSpPr>
+          <p:nvPr>
+            <p:ph type="body" idx="1"/>
+          </p:nvPr>
+        </p:nvSpPr>
+        <p:spPr/>
+        <p:txBody>
+          <a:bodyPr/>
+          <a:lstStyle/>
+          <a:p>
+            <a:endParaRPr lang="ko-KR" altLang="en-US"/>
+          </a:p>
+        </p:txBody>
+      </p:sp>
+      <p:sp>
+        <p:nvSpPr>
+          <p:cNvPr id="4" name="슬라이드 번호 개체 틀 3"/>
+          <p:cNvSpPr>
+            <a:spLocks noGrp="1"/>
+          </p:cNvSpPr>
+          <p:nvPr>
+            <p:ph type="sldNum" sz="quarter" idx="5"/>
+          </p:nvPr>
+        </p:nvSpPr>
+        <p:spPr/>
+        <p:txBody>
+          <a:bodyPr/>
+          <a:lstStyle/>
+          <a:p>
+            <a:fld id="{FFDAED96-C39F-4021-93D7-D94359BC4204}" type="slidenum">
+              <a:rPr lang="ko-KR" altLang="en-US" smtClean="0"/>
+              <a:t>12</a:t>
+            </a:fld>
+            <a:endParaRPr lang="ko-KR" altLang="en-US"/>
+          </a:p>
+        </p:txBody>
+      </p:sp>
+    </p:spTree>
+    <p:extLst>
+      <p:ext uri="{BB962C8B-B14F-4D97-AF65-F5344CB8AC3E}">
+        <p14:creationId xmlns:p14="http://schemas.microsoft.com/office/powerpoint/2010/main" val="3958618663"/>
+      </p:ext>
+    </p:extLst>
+  </p:cSld>
+  <p:clrMapOvr>
+    <a:masterClrMapping/>
+  </p:clrMapOvr>
+</p:notes>
+</file>
+
+<file path=ppt/notesSlides/notesSlide2.xml><?xml version="1.0" encoding="utf-8"?>
+<p:notes xmlns:a="http://schemas.openxmlformats.org/drawingml/2006/main" xmlns:r="http://schemas.openxmlformats.org/officeDocument/2006/relationships" xmlns:p="http://schemas.openxmlformats.org/presentationml/2006/main">
+  <p:cSld>
+    <p:spTree>
+      <p:nvGrpSpPr>
+        <p:cNvPr id="1" name=""/>
+        <p:cNvGrpSpPr/>
+        <p:nvPr/>
+      </p:nvGrpSpPr>
+      <p:grpSpPr>
+        <a:xfrm>
+          <a:off x="0" y="0"/>
+          <a:ext cx="0" cy="0"/>
+          <a:chOff x="0" y="0"/>
+          <a:chExt cx="0" cy="0"/>
+        </a:xfrm>
+      </p:grpSpPr>
+      <p:sp>
+        <p:nvSpPr>
+          <p:cNvPr id="2" name="슬라이드 이미지 개체 틀 1"/>
+          <p:cNvSpPr>
+            <a:spLocks noGrp="1" noRot="1" noChangeAspect="1"/>
+          </p:cNvSpPr>
+          <p:nvPr>
+            <p:ph type="sldImg"/>
+          </p:nvPr>
+        </p:nvSpPr>
+        <p:spPr/>
+      </p:sp>
+      <p:sp>
+        <p:nvSpPr>
+          <p:cNvPr id="3" name="슬라이드 노트 개체 틀 2"/>
+          <p:cNvSpPr>
+            <a:spLocks noGrp="1"/>
+          </p:cNvSpPr>
+          <p:nvPr>
+            <p:ph type="body" idx="1"/>
+          </p:nvPr>
+        </p:nvSpPr>
+        <p:spPr/>
+        <p:txBody>
+          <a:bodyPr/>
+          <a:lstStyle/>
+          <a:p>
+            <a:endParaRPr lang="ko-KR" altLang="en-US"/>
+          </a:p>
+        </p:txBody>
+      </p:sp>
+      <p:sp>
+        <p:nvSpPr>
+          <p:cNvPr id="4" name="슬라이드 번호 개체 틀 3"/>
+          <p:cNvSpPr>
+            <a:spLocks noGrp="1"/>
+          </p:cNvSpPr>
+          <p:nvPr>
+            <p:ph type="sldNum" sz="quarter" idx="5"/>
+          </p:nvPr>
+        </p:nvSpPr>
+        <p:spPr/>
+        <p:txBody>
+          <a:bodyPr/>
+          <a:lstStyle/>
+          <a:p>
+            <a:fld id="{FFDAED96-C39F-4021-93D7-D94359BC4204}" type="slidenum">
+              <a:rPr lang="ko-KR" altLang="en-US" smtClean="0"/>
+              <a:t>13</a:t>
+            </a:fld>
+            <a:endParaRPr lang="ko-KR" altLang="en-US"/>
+          </a:p>
+        </p:txBody>
+      </p:sp>
+    </p:spTree>
+    <p:extLst>
+      <p:ext uri="{BB962C8B-B14F-4D97-AF65-F5344CB8AC3E}">
+        <p14:creationId xmlns:p14="http://schemas.microsoft.com/office/powerpoint/2010/main" val="3044961357"/>
+      </p:ext>
+    </p:extLst>
+  </p:cSld>
+  <p:clrMapOvr>
+    <a:masterClrMapping/>
+  </p:clrMapOvr>
+</p:notes>
+</file>
+
 <file path=ppt/slideLayouts/slideLayout1.xml><?xml version="1.0" encoding="utf-8"?>
 <p:sldLayout xmlns:a="http://schemas.openxmlformats.org/drawingml/2006/main" xmlns:r="http://schemas.openxmlformats.org/officeDocument/2006/relationships" xmlns:p="http://schemas.openxmlformats.org/presentationml/2006/main" type="title" preserve="1">
   <p:cSld name="제목 슬라이드">
@@ -263,7 +791,7 @@
           <a:p>
             <a:fld id="{1985F40B-63D8-40A9-B45F-ACE36FB314B1}" type="datetimeFigureOut">
               <a:rPr lang="ko-KR" altLang="en-US" smtClean="0"/>
-              <a:t>2024-06-14</a:t>
+              <a:t>2024-06-21</a:t>
             </a:fld>
             <a:endParaRPr lang="ko-KR" altLang="en-US"/>
           </a:p>
@@ -461,7 +989,7 @@
           <a:p>
             <a:fld id="{1985F40B-63D8-40A9-B45F-ACE36FB314B1}" type="datetimeFigureOut">
               <a:rPr lang="ko-KR" altLang="en-US" smtClean="0"/>
-              <a:t>2024-06-14</a:t>
+              <a:t>2024-06-21</a:t>
             </a:fld>
             <a:endParaRPr lang="ko-KR" altLang="en-US"/>
           </a:p>
@@ -669,7 +1197,7 @@
           <a:p>
             <a:fld id="{1985F40B-63D8-40A9-B45F-ACE36FB314B1}" type="datetimeFigureOut">
               <a:rPr lang="ko-KR" altLang="en-US" smtClean="0"/>
-              <a:t>2024-06-14</a:t>
+              <a:t>2024-06-21</a:t>
             </a:fld>
             <a:endParaRPr lang="ko-KR" altLang="en-US"/>
           </a:p>
@@ -867,7 +1395,7 @@
           <a:p>
             <a:fld id="{1985F40B-63D8-40A9-B45F-ACE36FB314B1}" type="datetimeFigureOut">
               <a:rPr lang="ko-KR" altLang="en-US" smtClean="0"/>
-              <a:t>2024-06-14</a:t>
+              <a:t>2024-06-21</a:t>
             </a:fld>
             <a:endParaRPr lang="ko-KR" altLang="en-US"/>
           </a:p>
@@ -1142,7 +1670,7 @@
           <a:p>
             <a:fld id="{1985F40B-63D8-40A9-B45F-ACE36FB314B1}" type="datetimeFigureOut">
               <a:rPr lang="ko-KR" altLang="en-US" smtClean="0"/>
-              <a:t>2024-06-14</a:t>
+              <a:t>2024-06-21</a:t>
             </a:fld>
             <a:endParaRPr lang="ko-KR" altLang="en-US"/>
           </a:p>
@@ -1407,7 +1935,7 @@
           <a:p>
             <a:fld id="{1985F40B-63D8-40A9-B45F-ACE36FB314B1}" type="datetimeFigureOut">
               <a:rPr lang="ko-KR" altLang="en-US" smtClean="0"/>
-              <a:t>2024-06-14</a:t>
+              <a:t>2024-06-21</a:t>
             </a:fld>
             <a:endParaRPr lang="ko-KR" altLang="en-US"/>
           </a:p>
@@ -1819,7 +2347,7 @@
           <a:p>
             <a:fld id="{1985F40B-63D8-40A9-B45F-ACE36FB314B1}" type="datetimeFigureOut">
               <a:rPr lang="ko-KR" altLang="en-US" smtClean="0"/>
-              <a:t>2024-06-14</a:t>
+              <a:t>2024-06-21</a:t>
             </a:fld>
             <a:endParaRPr lang="ko-KR" altLang="en-US"/>
           </a:p>
@@ -1960,7 +2488,7 @@
           <a:p>
             <a:fld id="{1985F40B-63D8-40A9-B45F-ACE36FB314B1}" type="datetimeFigureOut">
               <a:rPr lang="ko-KR" altLang="en-US" smtClean="0"/>
-              <a:t>2024-06-14</a:t>
+              <a:t>2024-06-21</a:t>
             </a:fld>
             <a:endParaRPr lang="ko-KR" altLang="en-US"/>
           </a:p>
@@ -2073,7 +2601,7 @@
           <a:p>
             <a:fld id="{1985F40B-63D8-40A9-B45F-ACE36FB314B1}" type="datetimeFigureOut">
               <a:rPr lang="ko-KR" altLang="en-US" smtClean="0"/>
-              <a:t>2024-06-14</a:t>
+              <a:t>2024-06-21</a:t>
             </a:fld>
             <a:endParaRPr lang="ko-KR" altLang="en-US"/>
           </a:p>
@@ -2384,7 +2912,7 @@
           <a:p>
             <a:fld id="{1985F40B-63D8-40A9-B45F-ACE36FB314B1}" type="datetimeFigureOut">
               <a:rPr lang="ko-KR" altLang="en-US" smtClean="0"/>
-              <a:t>2024-06-14</a:t>
+              <a:t>2024-06-21</a:t>
             </a:fld>
             <a:endParaRPr lang="ko-KR" altLang="en-US"/>
           </a:p>
@@ -2672,7 +3200,7 @@
           <a:p>
             <a:fld id="{1985F40B-63D8-40A9-B45F-ACE36FB314B1}" type="datetimeFigureOut">
               <a:rPr lang="ko-KR" altLang="en-US" smtClean="0"/>
-              <a:t>2024-06-14</a:t>
+              <a:t>2024-06-21</a:t>
             </a:fld>
             <a:endParaRPr lang="ko-KR" altLang="en-US"/>
           </a:p>
@@ -2913,7 +3441,7 @@
           <a:p>
             <a:fld id="{1985F40B-63D8-40A9-B45F-ACE36FB314B1}" type="datetimeFigureOut">
               <a:rPr lang="ko-KR" altLang="en-US" smtClean="0"/>
-              <a:t>2024-06-14</a:t>
+              <a:t>2024-06-21</a:t>
             </a:fld>
             <a:endParaRPr lang="ko-KR" altLang="en-US"/>
           </a:p>
@@ -3520,6 +4048,1380 @@
 </p:sld>
 </file>
 
+<file path=ppt/slides/slide10.xml><?xml version="1.0" encoding="utf-8"?>
+<p:sld xmlns:a="http://schemas.openxmlformats.org/drawingml/2006/main" xmlns:r="http://schemas.openxmlformats.org/officeDocument/2006/relationships" xmlns:p="http://schemas.openxmlformats.org/presentationml/2006/main">
+  <p:cSld>
+    <p:spTree>
+      <p:nvGrpSpPr>
+        <p:cNvPr id="1" name=""/>
+        <p:cNvGrpSpPr/>
+        <p:nvPr/>
+      </p:nvGrpSpPr>
+      <p:grpSpPr>
+        <a:xfrm>
+          <a:off x="0" y="0"/>
+          <a:ext cx="0" cy="0"/>
+          <a:chOff x="0" y="0"/>
+          <a:chExt cx="0" cy="0"/>
+        </a:xfrm>
+      </p:grpSpPr>
+      <p:pic>
+        <p:nvPicPr>
+          <p:cNvPr id="7" name="그림 6">
+            <a:extLst>
+              <a:ext uri="{FF2B5EF4-FFF2-40B4-BE49-F238E27FC236}">
+                <a16:creationId xmlns:a16="http://schemas.microsoft.com/office/drawing/2014/main" id="{75434354-628B-8F7C-8CC3-941B58875201}"/>
+              </a:ext>
+            </a:extLst>
+          </p:cNvPr>
+          <p:cNvPicPr>
+            <a:picLocks noChangeAspect="1"/>
+          </p:cNvPicPr>
+          <p:nvPr/>
+        </p:nvPicPr>
+        <p:blipFill>
+          <a:blip r:embed="rId2"/>
+          <a:stretch>
+            <a:fillRect/>
+          </a:stretch>
+        </p:blipFill>
+        <p:spPr>
+          <a:xfrm>
+            <a:off x="80299" y="3381364"/>
+            <a:ext cx="6015702" cy="2478230"/>
+          </a:xfrm>
+          <a:prstGeom prst="rect">
+            <a:avLst/>
+          </a:prstGeom>
+        </p:spPr>
+      </p:pic>
+      <p:sp>
+        <p:nvSpPr>
+          <p:cNvPr id="10" name="TextBox 9">
+            <a:extLst>
+              <a:ext uri="{FF2B5EF4-FFF2-40B4-BE49-F238E27FC236}">
+                <a16:creationId xmlns:a16="http://schemas.microsoft.com/office/drawing/2014/main" id="{A71F367F-A8E8-7354-A8CA-E6F860387AE8}"/>
+              </a:ext>
+            </a:extLst>
+          </p:cNvPr>
+          <p:cNvSpPr txBox="1"/>
+          <p:nvPr/>
+        </p:nvSpPr>
+        <p:spPr>
+          <a:xfrm>
+            <a:off x="2931910" y="0"/>
+            <a:ext cx="6097022" cy="369332"/>
+          </a:xfrm>
+          <a:prstGeom prst="rect">
+            <a:avLst/>
+          </a:prstGeom>
+          <a:noFill/>
+        </p:spPr>
+        <p:txBody>
+          <a:bodyPr wrap="square">
+            <a:spAutoFit/>
+          </a:bodyPr>
+          <a:lstStyle/>
+          <a:p>
+            <a:r>
+              <a:rPr lang="en-US" altLang="ko-KR" b="0" i="0" dirty="0" err="1">
+                <a:solidFill>
+                  <a:srgbClr val="212121"/>
+                </a:solidFill>
+                <a:effectLst/>
+                <a:highlight>
+                  <a:srgbClr val="FFFFFF"/>
+                </a:highlight>
+                <a:latin typeface="Roboto" panose="020F0502020204030204" pitchFamily="2" charset="0"/>
+              </a:rPr>
+              <a:t>CrossEntropyLoss</a:t>
+            </a:r>
+            <a:r>
+              <a:rPr lang="en-US" altLang="ko-KR" b="0" i="0" dirty="0">
+                <a:solidFill>
+                  <a:srgbClr val="212121"/>
+                </a:solidFill>
+                <a:effectLst/>
+                <a:highlight>
+                  <a:srgbClr val="FFFFFF"/>
+                </a:highlight>
+                <a:latin typeface="Roboto" panose="020F0502020204030204" pitchFamily="2" charset="0"/>
+              </a:rPr>
+              <a:t> vs </a:t>
+            </a:r>
+            <a:r>
+              <a:rPr lang="en-US" altLang="ko-KR" b="0" i="0" dirty="0" err="1">
+                <a:solidFill>
+                  <a:srgbClr val="212121"/>
+                </a:solidFill>
+                <a:effectLst/>
+                <a:highlight>
+                  <a:srgbClr val="FFFFFF"/>
+                </a:highlight>
+                <a:latin typeface="Roboto" panose="020F0502020204030204" pitchFamily="2" charset="0"/>
+              </a:rPr>
+              <a:t>MultiMarginLoss</a:t>
+            </a:r>
+            <a:endParaRPr lang="ko-KR" altLang="en-US" dirty="0"/>
+          </a:p>
+        </p:txBody>
+      </p:sp>
+      <p:pic>
+        <p:nvPicPr>
+          <p:cNvPr id="12" name="그림 11">
+            <a:extLst>
+              <a:ext uri="{FF2B5EF4-FFF2-40B4-BE49-F238E27FC236}">
+                <a16:creationId xmlns:a16="http://schemas.microsoft.com/office/drawing/2014/main" id="{19BDE07C-FFA9-7C4F-4A95-09E309E962B3}"/>
+              </a:ext>
+            </a:extLst>
+          </p:cNvPr>
+          <p:cNvPicPr>
+            <a:picLocks noChangeAspect="1"/>
+          </p:cNvPicPr>
+          <p:nvPr/>
+        </p:nvPicPr>
+        <p:blipFill>
+          <a:blip r:embed="rId3"/>
+          <a:stretch>
+            <a:fillRect/>
+          </a:stretch>
+        </p:blipFill>
+        <p:spPr>
+          <a:xfrm>
+            <a:off x="6148920" y="2377052"/>
+            <a:ext cx="381020" cy="292115"/>
+          </a:xfrm>
+          <a:prstGeom prst="rect">
+            <a:avLst/>
+          </a:prstGeom>
+        </p:spPr>
+      </p:pic>
+      <p:sp>
+        <p:nvSpPr>
+          <p:cNvPr id="15" name="TextBox 14">
+            <a:extLst>
+              <a:ext uri="{FF2B5EF4-FFF2-40B4-BE49-F238E27FC236}">
+                <a16:creationId xmlns:a16="http://schemas.microsoft.com/office/drawing/2014/main" id="{1C0336F6-5AB2-FDB9-0EFF-55457DF55B96}"/>
+              </a:ext>
+            </a:extLst>
+          </p:cNvPr>
+          <p:cNvSpPr txBox="1"/>
+          <p:nvPr/>
+        </p:nvSpPr>
+        <p:spPr>
+          <a:xfrm>
+            <a:off x="6529940" y="2299835"/>
+            <a:ext cx="2608406" cy="369332"/>
+          </a:xfrm>
+          <a:prstGeom prst="rect">
+            <a:avLst/>
+          </a:prstGeom>
+          <a:noFill/>
+        </p:spPr>
+        <p:txBody>
+          <a:bodyPr wrap="none" rtlCol="0">
+            <a:spAutoFit/>
+          </a:bodyPr>
+          <a:lstStyle/>
+          <a:p>
+            <a:r>
+              <a:rPr lang="en-US" altLang="ko-KR" dirty="0" err="1">
+                <a:latin typeface="Times New Roman" panose="02020603050405020304" pitchFamily="18" charset="0"/>
+                <a:cs typeface="Times New Roman" panose="02020603050405020304" pitchFamily="18" charset="0"/>
+              </a:rPr>
+              <a:t>CrossEntropyLoss</a:t>
+            </a:r>
+            <a:r>
+              <a:rPr lang="en-US" altLang="ko-KR" dirty="0">
+                <a:latin typeface="Times New Roman" panose="02020603050405020304" pitchFamily="18" charset="0"/>
+                <a:cs typeface="Times New Roman" panose="02020603050405020304" pitchFamily="18" charset="0"/>
+              </a:rPr>
+              <a:t>(Adam)</a:t>
+            </a:r>
+          </a:p>
+        </p:txBody>
+      </p:sp>
+      <p:sp>
+        <p:nvSpPr>
+          <p:cNvPr id="16" name="TextBox 15">
+            <a:extLst>
+              <a:ext uri="{FF2B5EF4-FFF2-40B4-BE49-F238E27FC236}">
+                <a16:creationId xmlns:a16="http://schemas.microsoft.com/office/drawing/2014/main" id="{F7117044-3B90-527A-9E7D-848403605D21}"/>
+              </a:ext>
+            </a:extLst>
+          </p:cNvPr>
+          <p:cNvSpPr txBox="1"/>
+          <p:nvPr/>
+        </p:nvSpPr>
+        <p:spPr>
+          <a:xfrm>
+            <a:off x="6529940" y="2973810"/>
+            <a:ext cx="3386504" cy="369332"/>
+          </a:xfrm>
+          <a:prstGeom prst="rect">
+            <a:avLst/>
+          </a:prstGeom>
+          <a:noFill/>
+        </p:spPr>
+        <p:txBody>
+          <a:bodyPr wrap="none" rtlCol="0">
+            <a:spAutoFit/>
+          </a:bodyPr>
+          <a:lstStyle/>
+          <a:p>
+            <a:r>
+              <a:rPr lang="en-US" altLang="ko-KR" dirty="0" err="1">
+                <a:latin typeface="Times New Roman" panose="02020603050405020304" pitchFamily="18" charset="0"/>
+                <a:cs typeface="Times New Roman" panose="02020603050405020304" pitchFamily="18" charset="0"/>
+              </a:rPr>
+              <a:t>MultiMarginLoss</a:t>
+            </a:r>
+            <a:r>
+              <a:rPr lang="en-US" altLang="ko-KR" dirty="0">
+                <a:latin typeface="Times New Roman" panose="02020603050405020304" pitchFamily="18" charset="0"/>
+                <a:cs typeface="Times New Roman" panose="02020603050405020304" pitchFamily="18" charset="0"/>
+              </a:rPr>
+              <a:t>(Momentum 0.9)</a:t>
+            </a:r>
+          </a:p>
+        </p:txBody>
+      </p:sp>
+      <p:sp>
+        <p:nvSpPr>
+          <p:cNvPr id="17" name="TextBox 16">
+            <a:extLst>
+              <a:ext uri="{FF2B5EF4-FFF2-40B4-BE49-F238E27FC236}">
+                <a16:creationId xmlns:a16="http://schemas.microsoft.com/office/drawing/2014/main" id="{5E7EF541-670D-3D04-6B0C-5E322952A88B}"/>
+              </a:ext>
+            </a:extLst>
+          </p:cNvPr>
+          <p:cNvSpPr txBox="1"/>
+          <p:nvPr/>
+        </p:nvSpPr>
+        <p:spPr>
+          <a:xfrm>
+            <a:off x="6529940" y="3355416"/>
+            <a:ext cx="2527295" cy="369332"/>
+          </a:xfrm>
+          <a:prstGeom prst="rect">
+            <a:avLst/>
+          </a:prstGeom>
+          <a:noFill/>
+        </p:spPr>
+        <p:txBody>
+          <a:bodyPr wrap="none" rtlCol="0">
+            <a:spAutoFit/>
+          </a:bodyPr>
+          <a:lstStyle/>
+          <a:p>
+            <a:r>
+              <a:rPr lang="en-US" altLang="ko-KR" dirty="0" err="1">
+                <a:latin typeface="Times New Roman" panose="02020603050405020304" pitchFamily="18" charset="0"/>
+                <a:cs typeface="Times New Roman" panose="02020603050405020304" pitchFamily="18" charset="0"/>
+              </a:rPr>
+              <a:t>MultiMarginLoss</a:t>
+            </a:r>
+            <a:r>
+              <a:rPr lang="en-US" altLang="ko-KR" dirty="0">
+                <a:latin typeface="Times New Roman" panose="02020603050405020304" pitchFamily="18" charset="0"/>
+                <a:cs typeface="Times New Roman" panose="02020603050405020304" pitchFamily="18" charset="0"/>
+              </a:rPr>
+              <a:t>(Adam)</a:t>
+            </a:r>
+          </a:p>
+        </p:txBody>
+      </p:sp>
+      <p:pic>
+        <p:nvPicPr>
+          <p:cNvPr id="4" name="그림 3">
+            <a:extLst>
+              <a:ext uri="{FF2B5EF4-FFF2-40B4-BE49-F238E27FC236}">
+                <a16:creationId xmlns:a16="http://schemas.microsoft.com/office/drawing/2014/main" id="{57F66D16-1D94-EF97-45CA-6A9E6CDE9E3C}"/>
+              </a:ext>
+            </a:extLst>
+          </p:cNvPr>
+          <p:cNvPicPr>
+            <a:picLocks noChangeAspect="1"/>
+          </p:cNvPicPr>
+          <p:nvPr/>
+        </p:nvPicPr>
+        <p:blipFill>
+          <a:blip r:embed="rId4"/>
+          <a:stretch>
+            <a:fillRect/>
+          </a:stretch>
+        </p:blipFill>
+        <p:spPr>
+          <a:xfrm>
+            <a:off x="80298" y="931455"/>
+            <a:ext cx="6008456" cy="2448073"/>
+          </a:xfrm>
+          <a:prstGeom prst="rect">
+            <a:avLst/>
+          </a:prstGeom>
+        </p:spPr>
+      </p:pic>
+      <p:pic>
+        <p:nvPicPr>
+          <p:cNvPr id="11" name="그림 10">
+            <a:extLst>
+              <a:ext uri="{FF2B5EF4-FFF2-40B4-BE49-F238E27FC236}">
+                <a16:creationId xmlns:a16="http://schemas.microsoft.com/office/drawing/2014/main" id="{8E645C16-66D8-2C78-01A8-B75E2CAA4CAE}"/>
+              </a:ext>
+            </a:extLst>
+          </p:cNvPr>
+          <p:cNvPicPr>
+            <a:picLocks noChangeAspect="1"/>
+          </p:cNvPicPr>
+          <p:nvPr/>
+        </p:nvPicPr>
+        <p:blipFill>
+          <a:blip r:embed="rId5"/>
+          <a:stretch>
+            <a:fillRect/>
+          </a:stretch>
+        </p:blipFill>
+        <p:spPr>
+          <a:xfrm>
+            <a:off x="6176438" y="3038499"/>
+            <a:ext cx="273064" cy="673135"/>
+          </a:xfrm>
+          <a:prstGeom prst="rect">
+            <a:avLst/>
+          </a:prstGeom>
+        </p:spPr>
+      </p:pic>
+      <p:pic>
+        <p:nvPicPr>
+          <p:cNvPr id="18" name="그림 17">
+            <a:extLst>
+              <a:ext uri="{FF2B5EF4-FFF2-40B4-BE49-F238E27FC236}">
+                <a16:creationId xmlns:a16="http://schemas.microsoft.com/office/drawing/2014/main" id="{5ECCFC6B-90CF-649B-EF51-B42408896868}"/>
+              </a:ext>
+            </a:extLst>
+          </p:cNvPr>
+          <p:cNvPicPr>
+            <a:picLocks noChangeAspect="1"/>
+          </p:cNvPicPr>
+          <p:nvPr/>
+        </p:nvPicPr>
+        <p:blipFill>
+          <a:blip r:embed="rId6"/>
+          <a:stretch>
+            <a:fillRect/>
+          </a:stretch>
+        </p:blipFill>
+        <p:spPr>
+          <a:xfrm>
+            <a:off x="6184784" y="2669167"/>
+            <a:ext cx="311166" cy="254013"/>
+          </a:xfrm>
+          <a:prstGeom prst="rect">
+            <a:avLst/>
+          </a:prstGeom>
+        </p:spPr>
+      </p:pic>
+      <p:sp>
+        <p:nvSpPr>
+          <p:cNvPr id="19" name="TextBox 18">
+            <a:extLst>
+              <a:ext uri="{FF2B5EF4-FFF2-40B4-BE49-F238E27FC236}">
+                <a16:creationId xmlns:a16="http://schemas.microsoft.com/office/drawing/2014/main" id="{5634132C-8554-F5E0-8367-6B83726833BA}"/>
+              </a:ext>
+            </a:extLst>
+          </p:cNvPr>
+          <p:cNvSpPr txBox="1"/>
+          <p:nvPr/>
+        </p:nvSpPr>
+        <p:spPr>
+          <a:xfrm>
+            <a:off x="6529939" y="2598341"/>
+            <a:ext cx="3102131" cy="369332"/>
+          </a:xfrm>
+          <a:prstGeom prst="rect">
+            <a:avLst/>
+          </a:prstGeom>
+          <a:noFill/>
+        </p:spPr>
+        <p:txBody>
+          <a:bodyPr wrap="none" rtlCol="0">
+            <a:spAutoFit/>
+          </a:bodyPr>
+          <a:lstStyle/>
+          <a:p>
+            <a:r>
+              <a:rPr lang="en-US" altLang="ko-KR" dirty="0" err="1">
+                <a:latin typeface="Times New Roman" panose="02020603050405020304" pitchFamily="18" charset="0"/>
+                <a:cs typeface="Times New Roman" panose="02020603050405020304" pitchFamily="18" charset="0"/>
+              </a:rPr>
+              <a:t>CrossEntropyLoss</a:t>
+            </a:r>
+            <a:r>
+              <a:rPr lang="en-US" altLang="ko-KR" dirty="0">
+                <a:latin typeface="Times New Roman" panose="02020603050405020304" pitchFamily="18" charset="0"/>
+                <a:cs typeface="Times New Roman" panose="02020603050405020304" pitchFamily="18" charset="0"/>
+              </a:rPr>
+              <a:t>(Momentum)</a:t>
+            </a:r>
+          </a:p>
+        </p:txBody>
+      </p:sp>
+    </p:spTree>
+    <p:extLst>
+      <p:ext uri="{BB962C8B-B14F-4D97-AF65-F5344CB8AC3E}">
+        <p14:creationId xmlns:p14="http://schemas.microsoft.com/office/powerpoint/2010/main" val="1336616987"/>
+      </p:ext>
+    </p:extLst>
+  </p:cSld>
+  <p:clrMapOvr>
+    <a:masterClrMapping/>
+  </p:clrMapOvr>
+</p:sld>
+</file>
+
+<file path=ppt/slides/slide11.xml><?xml version="1.0" encoding="utf-8"?>
+<p:sld xmlns:a="http://schemas.openxmlformats.org/drawingml/2006/main" xmlns:r="http://schemas.openxmlformats.org/officeDocument/2006/relationships" xmlns:p="http://schemas.openxmlformats.org/presentationml/2006/main">
+  <p:cSld>
+    <p:spTree>
+      <p:nvGrpSpPr>
+        <p:cNvPr id="1" name=""/>
+        <p:cNvGrpSpPr/>
+        <p:nvPr/>
+      </p:nvGrpSpPr>
+      <p:grpSpPr>
+        <a:xfrm>
+          <a:off x="0" y="0"/>
+          <a:ext cx="0" cy="0"/>
+          <a:chOff x="0" y="0"/>
+          <a:chExt cx="0" cy="0"/>
+        </a:xfrm>
+      </p:grpSpPr>
+      <p:sp>
+        <p:nvSpPr>
+          <p:cNvPr id="10" name="TextBox 9">
+            <a:extLst>
+              <a:ext uri="{FF2B5EF4-FFF2-40B4-BE49-F238E27FC236}">
+                <a16:creationId xmlns:a16="http://schemas.microsoft.com/office/drawing/2014/main" id="{A71F367F-A8E8-7354-A8CA-E6F860387AE8}"/>
+              </a:ext>
+            </a:extLst>
+          </p:cNvPr>
+          <p:cNvSpPr txBox="1"/>
+          <p:nvPr/>
+        </p:nvSpPr>
+        <p:spPr>
+          <a:xfrm>
+            <a:off x="2931910" y="0"/>
+            <a:ext cx="6097022" cy="369332"/>
+          </a:xfrm>
+          <a:prstGeom prst="rect">
+            <a:avLst/>
+          </a:prstGeom>
+          <a:noFill/>
+        </p:spPr>
+        <p:txBody>
+          <a:bodyPr wrap="square">
+            <a:spAutoFit/>
+          </a:bodyPr>
+          <a:lstStyle/>
+          <a:p>
+            <a:r>
+              <a:rPr lang="en-US" altLang="ko-KR" b="0" i="0" dirty="0" err="1">
+                <a:solidFill>
+                  <a:srgbClr val="212121"/>
+                </a:solidFill>
+                <a:effectLst/>
+                <a:highlight>
+                  <a:srgbClr val="FFFFFF"/>
+                </a:highlight>
+                <a:latin typeface="Roboto" panose="020F0502020204030204" pitchFamily="2" charset="0"/>
+              </a:rPr>
+              <a:t>CrossEntropyLoss</a:t>
+            </a:r>
+            <a:r>
+              <a:rPr lang="en-US" altLang="ko-KR" b="0" i="0" dirty="0">
+                <a:solidFill>
+                  <a:srgbClr val="212121"/>
+                </a:solidFill>
+                <a:effectLst/>
+                <a:highlight>
+                  <a:srgbClr val="FFFFFF"/>
+                </a:highlight>
+                <a:latin typeface="Roboto" panose="020F0502020204030204" pitchFamily="2" charset="0"/>
+              </a:rPr>
+              <a:t> vs </a:t>
+            </a:r>
+            <a:r>
+              <a:rPr lang="en-US" altLang="ko-KR" b="0" i="0" dirty="0" err="1">
+                <a:solidFill>
+                  <a:srgbClr val="212121"/>
+                </a:solidFill>
+                <a:effectLst/>
+                <a:highlight>
+                  <a:srgbClr val="FFFFFF"/>
+                </a:highlight>
+                <a:latin typeface="Roboto" panose="020F0502020204030204" pitchFamily="2" charset="0"/>
+              </a:rPr>
+              <a:t>MultiMarginLoss</a:t>
+            </a:r>
+            <a:endParaRPr lang="ko-KR" altLang="en-US" dirty="0"/>
+          </a:p>
+        </p:txBody>
+      </p:sp>
+      <p:pic>
+        <p:nvPicPr>
+          <p:cNvPr id="3" name="그림 2">
+            <a:extLst>
+              <a:ext uri="{FF2B5EF4-FFF2-40B4-BE49-F238E27FC236}">
+                <a16:creationId xmlns:a16="http://schemas.microsoft.com/office/drawing/2014/main" id="{AD124B75-E1E1-7FF4-D67E-B61202670921}"/>
+              </a:ext>
+            </a:extLst>
+          </p:cNvPr>
+          <p:cNvPicPr>
+            <a:picLocks noChangeAspect="1"/>
+          </p:cNvPicPr>
+          <p:nvPr/>
+        </p:nvPicPr>
+        <p:blipFill>
+          <a:blip r:embed="rId2"/>
+          <a:stretch>
+            <a:fillRect/>
+          </a:stretch>
+        </p:blipFill>
+        <p:spPr>
+          <a:xfrm>
+            <a:off x="619827" y="1035281"/>
+            <a:ext cx="5484665" cy="2236510"/>
+          </a:xfrm>
+          <a:prstGeom prst="rect">
+            <a:avLst/>
+          </a:prstGeom>
+        </p:spPr>
+      </p:pic>
+      <p:pic>
+        <p:nvPicPr>
+          <p:cNvPr id="6" name="그림 5">
+            <a:extLst>
+              <a:ext uri="{FF2B5EF4-FFF2-40B4-BE49-F238E27FC236}">
+                <a16:creationId xmlns:a16="http://schemas.microsoft.com/office/drawing/2014/main" id="{09BA6FB3-33CC-C267-BAD5-149007E17CE8}"/>
+              </a:ext>
+            </a:extLst>
+          </p:cNvPr>
+          <p:cNvPicPr>
+            <a:picLocks noChangeAspect="1"/>
+          </p:cNvPicPr>
+          <p:nvPr/>
+        </p:nvPicPr>
+        <p:blipFill>
+          <a:blip r:embed="rId3"/>
+          <a:stretch>
+            <a:fillRect/>
+          </a:stretch>
+        </p:blipFill>
+        <p:spPr>
+          <a:xfrm>
+            <a:off x="619828" y="3271791"/>
+            <a:ext cx="5476172" cy="2270720"/>
+          </a:xfrm>
+          <a:prstGeom prst="rect">
+            <a:avLst/>
+          </a:prstGeom>
+        </p:spPr>
+      </p:pic>
+      <p:pic>
+        <p:nvPicPr>
+          <p:cNvPr id="9" name="그림 8">
+            <a:extLst>
+              <a:ext uri="{FF2B5EF4-FFF2-40B4-BE49-F238E27FC236}">
+                <a16:creationId xmlns:a16="http://schemas.microsoft.com/office/drawing/2014/main" id="{EE7CE495-DBC1-903F-2138-206B0FEC83F6}"/>
+              </a:ext>
+            </a:extLst>
+          </p:cNvPr>
+          <p:cNvPicPr>
+            <a:picLocks noChangeAspect="1"/>
+          </p:cNvPicPr>
+          <p:nvPr/>
+        </p:nvPicPr>
+        <p:blipFill>
+          <a:blip r:embed="rId4"/>
+          <a:stretch>
+            <a:fillRect/>
+          </a:stretch>
+        </p:blipFill>
+        <p:spPr>
+          <a:xfrm>
+            <a:off x="6104492" y="1035281"/>
+            <a:ext cx="5588004" cy="4507230"/>
+          </a:xfrm>
+          <a:prstGeom prst="rect">
+            <a:avLst/>
+          </a:prstGeom>
+        </p:spPr>
+      </p:pic>
+    </p:spTree>
+    <p:extLst>
+      <p:ext uri="{BB962C8B-B14F-4D97-AF65-F5344CB8AC3E}">
+        <p14:creationId xmlns:p14="http://schemas.microsoft.com/office/powerpoint/2010/main" val="2294110916"/>
+      </p:ext>
+    </p:extLst>
+  </p:cSld>
+  <p:clrMapOvr>
+    <a:masterClrMapping/>
+  </p:clrMapOvr>
+</p:sld>
+</file>
+
+<file path=ppt/slides/slide12.xml><?xml version="1.0" encoding="utf-8"?>
+<p:sld xmlns:a="http://schemas.openxmlformats.org/drawingml/2006/main" xmlns:r="http://schemas.openxmlformats.org/officeDocument/2006/relationships" xmlns:p="http://schemas.openxmlformats.org/presentationml/2006/main">
+  <p:cSld>
+    <p:spTree>
+      <p:nvGrpSpPr>
+        <p:cNvPr id="1" name=""/>
+        <p:cNvGrpSpPr/>
+        <p:nvPr/>
+      </p:nvGrpSpPr>
+      <p:grpSpPr>
+        <a:xfrm>
+          <a:off x="0" y="0"/>
+          <a:ext cx="0" cy="0"/>
+          <a:chOff x="0" y="0"/>
+          <a:chExt cx="0" cy="0"/>
+        </a:xfrm>
+      </p:grpSpPr>
+      <p:sp>
+        <p:nvSpPr>
+          <p:cNvPr id="10" name="TextBox 9">
+            <a:extLst>
+              <a:ext uri="{FF2B5EF4-FFF2-40B4-BE49-F238E27FC236}">
+                <a16:creationId xmlns:a16="http://schemas.microsoft.com/office/drawing/2014/main" id="{A71F367F-A8E8-7354-A8CA-E6F860387AE8}"/>
+              </a:ext>
+            </a:extLst>
+          </p:cNvPr>
+          <p:cNvSpPr txBox="1"/>
+          <p:nvPr/>
+        </p:nvSpPr>
+        <p:spPr>
+          <a:xfrm>
+            <a:off x="2931910" y="0"/>
+            <a:ext cx="6097022" cy="369332"/>
+          </a:xfrm>
+          <a:prstGeom prst="rect">
+            <a:avLst/>
+          </a:prstGeom>
+          <a:noFill/>
+        </p:spPr>
+        <p:txBody>
+          <a:bodyPr wrap="square">
+            <a:spAutoFit/>
+          </a:bodyPr>
+          <a:lstStyle/>
+          <a:p>
+            <a:r>
+              <a:rPr lang="en-US" altLang="ko-KR" b="0" i="0" dirty="0" err="1">
+                <a:solidFill>
+                  <a:srgbClr val="212121"/>
+                </a:solidFill>
+                <a:effectLst/>
+                <a:highlight>
+                  <a:srgbClr val="FFFFFF"/>
+                </a:highlight>
+                <a:latin typeface="Roboto" panose="020F0502020204030204" pitchFamily="2" charset="0"/>
+              </a:rPr>
+              <a:t>CrossEntropyLoss</a:t>
+            </a:r>
+            <a:r>
+              <a:rPr lang="en-US" altLang="ko-KR" b="0" i="0" dirty="0">
+                <a:solidFill>
+                  <a:srgbClr val="212121"/>
+                </a:solidFill>
+                <a:effectLst/>
+                <a:highlight>
+                  <a:srgbClr val="FFFFFF"/>
+                </a:highlight>
+                <a:latin typeface="Roboto" panose="020F0502020204030204" pitchFamily="2" charset="0"/>
+              </a:rPr>
+              <a:t> vs </a:t>
+            </a:r>
+            <a:r>
+              <a:rPr lang="en-US" altLang="ko-KR" b="0" i="0" dirty="0" err="1">
+                <a:solidFill>
+                  <a:srgbClr val="212121"/>
+                </a:solidFill>
+                <a:effectLst/>
+                <a:highlight>
+                  <a:srgbClr val="FFFFFF"/>
+                </a:highlight>
+                <a:latin typeface="Roboto" panose="020F0502020204030204" pitchFamily="2" charset="0"/>
+              </a:rPr>
+              <a:t>MultiMarginLoss</a:t>
+            </a:r>
+            <a:endParaRPr lang="ko-KR" altLang="en-US" dirty="0"/>
+          </a:p>
+        </p:txBody>
+      </p:sp>
+      <p:sp>
+        <p:nvSpPr>
+          <p:cNvPr id="15" name="TextBox 14">
+            <a:extLst>
+              <a:ext uri="{FF2B5EF4-FFF2-40B4-BE49-F238E27FC236}">
+                <a16:creationId xmlns:a16="http://schemas.microsoft.com/office/drawing/2014/main" id="{1C0336F6-5AB2-FDB9-0EFF-55457DF55B96}"/>
+              </a:ext>
+            </a:extLst>
+          </p:cNvPr>
+          <p:cNvSpPr txBox="1"/>
+          <p:nvPr/>
+        </p:nvSpPr>
+        <p:spPr>
+          <a:xfrm>
+            <a:off x="6096000" y="1344451"/>
+            <a:ext cx="5504456" cy="3416320"/>
+          </a:xfrm>
+          <a:prstGeom prst="rect">
+            <a:avLst/>
+          </a:prstGeom>
+          <a:noFill/>
+        </p:spPr>
+        <p:txBody>
+          <a:bodyPr wrap="none" rtlCol="0">
+            <a:spAutoFit/>
+          </a:bodyPr>
+          <a:lstStyle/>
+          <a:p>
+            <a:r>
+              <a:rPr lang="en-US" altLang="ko-KR" dirty="0">
+                <a:latin typeface="Times New Roman" panose="02020603050405020304" pitchFamily="18" charset="0"/>
+                <a:cs typeface="Times New Roman" panose="02020603050405020304" pitchFamily="18" charset="0"/>
+              </a:rPr>
+              <a:t>ResNet-101</a:t>
+            </a:r>
+          </a:p>
+          <a:p>
+            <a:r>
+              <a:rPr lang="en-US" altLang="ko-KR" dirty="0">
+                <a:latin typeface="Times New Roman" panose="02020603050405020304" pitchFamily="18" charset="0"/>
+                <a:cs typeface="Times New Roman" panose="02020603050405020304" pitchFamily="18" charset="0"/>
+              </a:rPr>
+              <a:t>Batch size : 4</a:t>
+            </a:r>
+          </a:p>
+          <a:p>
+            <a:r>
+              <a:rPr lang="en-US" altLang="ko-KR" dirty="0">
+                <a:latin typeface="Times New Roman" panose="02020603050405020304" pitchFamily="18" charset="0"/>
+                <a:cs typeface="Times New Roman" panose="02020603050405020304" pitchFamily="18" charset="0"/>
+              </a:rPr>
+              <a:t>Learning rate : 5e-4</a:t>
+            </a:r>
+          </a:p>
+          <a:p>
+            <a:r>
+              <a:rPr lang="en-US" altLang="ko-KR" dirty="0">
+                <a:latin typeface="Times New Roman" panose="02020603050405020304" pitchFamily="18" charset="0"/>
+                <a:cs typeface="Times New Roman" panose="02020603050405020304" pitchFamily="18" charset="0"/>
+              </a:rPr>
+              <a:t>Optimizer : Momentum</a:t>
+            </a:r>
+          </a:p>
+          <a:p>
+            <a:r>
+              <a:rPr lang="en-US" altLang="ko-KR" dirty="0">
+                <a:latin typeface="Times New Roman" panose="02020603050405020304" pitchFamily="18" charset="0"/>
+                <a:cs typeface="Times New Roman" panose="02020603050405020304" pitchFamily="18" charset="0"/>
+              </a:rPr>
+              <a:t>Activation function : </a:t>
+            </a:r>
+            <a:r>
+              <a:rPr lang="en-US" altLang="ko-KR" dirty="0" err="1">
+                <a:latin typeface="Times New Roman" panose="02020603050405020304" pitchFamily="18" charset="0"/>
+                <a:cs typeface="Times New Roman" panose="02020603050405020304" pitchFamily="18" charset="0"/>
+              </a:rPr>
+              <a:t>ReLU</a:t>
+            </a:r>
+            <a:endParaRPr lang="en-US" altLang="ko-KR" dirty="0">
+              <a:latin typeface="Times New Roman" panose="02020603050405020304" pitchFamily="18" charset="0"/>
+              <a:cs typeface="Times New Roman" panose="02020603050405020304" pitchFamily="18" charset="0"/>
+            </a:endParaRPr>
+          </a:p>
+          <a:p>
+            <a:endParaRPr lang="en-US" altLang="ko-KR" dirty="0">
+              <a:latin typeface="Times New Roman" panose="02020603050405020304" pitchFamily="18" charset="0"/>
+              <a:cs typeface="Times New Roman" panose="02020603050405020304" pitchFamily="18" charset="0"/>
+            </a:endParaRPr>
+          </a:p>
+          <a:p>
+            <a:r>
+              <a:rPr lang="en-US" altLang="ko-KR" dirty="0">
+                <a:latin typeface="Times New Roman" panose="02020603050405020304" pitchFamily="18" charset="0"/>
+                <a:cs typeface="Times New Roman" panose="02020603050405020304" pitchFamily="18" charset="0"/>
+              </a:rPr>
+              <a:t>5-fold cross-validation</a:t>
+            </a:r>
+          </a:p>
+          <a:p>
+            <a:r>
+              <a:rPr lang="en-US" altLang="ko-KR" dirty="0">
+                <a:latin typeface="Times New Roman" panose="02020603050405020304" pitchFamily="18" charset="0"/>
+                <a:cs typeface="Times New Roman" panose="02020603050405020304" pitchFamily="18" charset="0"/>
+              </a:rPr>
+              <a:t>acc/</a:t>
+            </a:r>
+            <a:r>
+              <a:rPr lang="en-US" altLang="ko-KR" dirty="0" err="1">
+                <a:latin typeface="Times New Roman" panose="02020603050405020304" pitchFamily="18" charset="0"/>
+                <a:cs typeface="Times New Roman" panose="02020603050405020304" pitchFamily="18" charset="0"/>
+              </a:rPr>
+              <a:t>val</a:t>
+            </a:r>
+            <a:r>
+              <a:rPr lang="en-US" altLang="ko-KR" dirty="0">
+                <a:latin typeface="Times New Roman" panose="02020603050405020304" pitchFamily="18" charset="0"/>
+                <a:cs typeface="Times New Roman" panose="02020603050405020304" pitchFamily="18" charset="0"/>
+              </a:rPr>
+              <a:t> - Mean: 0.8538, Standard Deviation: 0.0188</a:t>
+            </a:r>
+          </a:p>
+          <a:p>
+            <a:r>
+              <a:rPr lang="en-US" altLang="ko-KR" dirty="0">
+                <a:latin typeface="Times New Roman" panose="02020603050405020304" pitchFamily="18" charset="0"/>
+                <a:cs typeface="Times New Roman" panose="02020603050405020304" pitchFamily="18" charset="0"/>
+              </a:rPr>
+              <a:t>f1-score/</a:t>
+            </a:r>
+            <a:r>
+              <a:rPr lang="en-US" altLang="ko-KR" dirty="0" err="1">
+                <a:latin typeface="Times New Roman" panose="02020603050405020304" pitchFamily="18" charset="0"/>
+                <a:cs typeface="Times New Roman" panose="02020603050405020304" pitchFamily="18" charset="0"/>
+              </a:rPr>
+              <a:t>val</a:t>
+            </a:r>
+            <a:r>
+              <a:rPr lang="en-US" altLang="ko-KR" dirty="0">
+                <a:latin typeface="Times New Roman" panose="02020603050405020304" pitchFamily="18" charset="0"/>
+                <a:cs typeface="Times New Roman" panose="02020603050405020304" pitchFamily="18" charset="0"/>
+              </a:rPr>
+              <a:t> - Mean: 0.9185, Standard Deviation: 0.0097</a:t>
+            </a:r>
+          </a:p>
+          <a:p>
+            <a:r>
+              <a:rPr lang="en-US" altLang="ko-KR" dirty="0">
+                <a:latin typeface="Times New Roman" panose="02020603050405020304" pitchFamily="18" charset="0"/>
+                <a:cs typeface="Times New Roman" panose="02020603050405020304" pitchFamily="18" charset="0"/>
+              </a:rPr>
+              <a:t>loss/</a:t>
+            </a:r>
+            <a:r>
+              <a:rPr lang="en-US" altLang="ko-KR" dirty="0" err="1">
+                <a:latin typeface="Times New Roman" panose="02020603050405020304" pitchFamily="18" charset="0"/>
+                <a:cs typeface="Times New Roman" panose="02020603050405020304" pitchFamily="18" charset="0"/>
+              </a:rPr>
+              <a:t>val</a:t>
+            </a:r>
+            <a:r>
+              <a:rPr lang="en-US" altLang="ko-KR" dirty="0">
+                <a:latin typeface="Times New Roman" panose="02020603050405020304" pitchFamily="18" charset="0"/>
+                <a:cs typeface="Times New Roman" panose="02020603050405020304" pitchFamily="18" charset="0"/>
+              </a:rPr>
+              <a:t> - Mean: 0.6575, Standard Deviation: 0.1200</a:t>
+            </a:r>
+          </a:p>
+          <a:p>
+            <a:r>
+              <a:rPr lang="en-US" altLang="ko-KR" dirty="0">
+                <a:latin typeface="Times New Roman" panose="02020603050405020304" pitchFamily="18" charset="0"/>
+                <a:cs typeface="Times New Roman" panose="02020603050405020304" pitchFamily="18" charset="0"/>
+              </a:rPr>
+              <a:t>precision/</a:t>
+            </a:r>
+            <a:r>
+              <a:rPr lang="en-US" altLang="ko-KR" dirty="0" err="1">
+                <a:latin typeface="Times New Roman" panose="02020603050405020304" pitchFamily="18" charset="0"/>
+                <a:cs typeface="Times New Roman" panose="02020603050405020304" pitchFamily="18" charset="0"/>
+              </a:rPr>
+              <a:t>val</a:t>
+            </a:r>
+            <a:r>
+              <a:rPr lang="en-US" altLang="ko-KR" dirty="0">
+                <a:latin typeface="Times New Roman" panose="02020603050405020304" pitchFamily="18" charset="0"/>
+                <a:cs typeface="Times New Roman" panose="02020603050405020304" pitchFamily="18" charset="0"/>
+              </a:rPr>
+              <a:t> - Mean: 0.9942, Standard Deviation: 0.0115</a:t>
+            </a:r>
+          </a:p>
+          <a:p>
+            <a:r>
+              <a:rPr lang="en-US" altLang="ko-KR" dirty="0">
+                <a:latin typeface="Times New Roman" panose="02020603050405020304" pitchFamily="18" charset="0"/>
+                <a:cs typeface="Times New Roman" panose="02020603050405020304" pitchFamily="18" charset="0"/>
+              </a:rPr>
+              <a:t>recall/</a:t>
+            </a:r>
+            <a:r>
+              <a:rPr lang="en-US" altLang="ko-KR" dirty="0" err="1">
+                <a:latin typeface="Times New Roman" panose="02020603050405020304" pitchFamily="18" charset="0"/>
+                <a:cs typeface="Times New Roman" panose="02020603050405020304" pitchFamily="18" charset="0"/>
+              </a:rPr>
+              <a:t>val</a:t>
+            </a:r>
+            <a:r>
+              <a:rPr lang="en-US" altLang="ko-KR" dirty="0">
+                <a:latin typeface="Times New Roman" panose="02020603050405020304" pitchFamily="18" charset="0"/>
+                <a:cs typeface="Times New Roman" panose="02020603050405020304" pitchFamily="18" charset="0"/>
+              </a:rPr>
+              <a:t> - Mean: 0.8538, Standard Deviation: 0.0188</a:t>
+            </a:r>
+          </a:p>
+        </p:txBody>
+      </p:sp>
+      <p:pic>
+        <p:nvPicPr>
+          <p:cNvPr id="6" name="그림 5">
+            <a:extLst>
+              <a:ext uri="{FF2B5EF4-FFF2-40B4-BE49-F238E27FC236}">
+                <a16:creationId xmlns:a16="http://schemas.microsoft.com/office/drawing/2014/main" id="{1A1F9C79-B904-0095-33F0-E955842A2976}"/>
+              </a:ext>
+            </a:extLst>
+          </p:cNvPr>
+          <p:cNvPicPr>
+            <a:picLocks noChangeAspect="1"/>
+          </p:cNvPicPr>
+          <p:nvPr/>
+        </p:nvPicPr>
+        <p:blipFill>
+          <a:blip r:embed="rId3"/>
+          <a:stretch>
+            <a:fillRect/>
+          </a:stretch>
+        </p:blipFill>
+        <p:spPr>
+          <a:xfrm>
+            <a:off x="80299" y="890646"/>
+            <a:ext cx="6015701" cy="2484419"/>
+          </a:xfrm>
+          <a:prstGeom prst="rect">
+            <a:avLst/>
+          </a:prstGeom>
+        </p:spPr>
+      </p:pic>
+      <p:pic>
+        <p:nvPicPr>
+          <p:cNvPr id="9" name="그림 8">
+            <a:extLst>
+              <a:ext uri="{FF2B5EF4-FFF2-40B4-BE49-F238E27FC236}">
+                <a16:creationId xmlns:a16="http://schemas.microsoft.com/office/drawing/2014/main" id="{F1A9A43A-00FA-8797-E862-8CC3FA0AC391}"/>
+              </a:ext>
+            </a:extLst>
+          </p:cNvPr>
+          <p:cNvPicPr>
+            <a:picLocks noChangeAspect="1"/>
+          </p:cNvPicPr>
+          <p:nvPr/>
+        </p:nvPicPr>
+        <p:blipFill>
+          <a:blip r:embed="rId4"/>
+          <a:stretch>
+            <a:fillRect/>
+          </a:stretch>
+        </p:blipFill>
+        <p:spPr>
+          <a:xfrm>
+            <a:off x="80299" y="3375065"/>
+            <a:ext cx="6015701" cy="2478229"/>
+          </a:xfrm>
+          <a:prstGeom prst="rect">
+            <a:avLst/>
+          </a:prstGeom>
+        </p:spPr>
+      </p:pic>
+    </p:spTree>
+    <p:extLst>
+      <p:ext uri="{BB962C8B-B14F-4D97-AF65-F5344CB8AC3E}">
+        <p14:creationId xmlns:p14="http://schemas.microsoft.com/office/powerpoint/2010/main" val="2759297100"/>
+      </p:ext>
+    </p:extLst>
+  </p:cSld>
+  <p:clrMapOvr>
+    <a:masterClrMapping/>
+  </p:clrMapOvr>
+</p:sld>
+</file>
+
+<file path=ppt/slides/slide13.xml><?xml version="1.0" encoding="utf-8"?>
+<p:sld xmlns:a="http://schemas.openxmlformats.org/drawingml/2006/main" xmlns:r="http://schemas.openxmlformats.org/officeDocument/2006/relationships" xmlns:p="http://schemas.openxmlformats.org/presentationml/2006/main">
+  <p:cSld>
+    <p:spTree>
+      <p:nvGrpSpPr>
+        <p:cNvPr id="1" name=""/>
+        <p:cNvGrpSpPr/>
+        <p:nvPr/>
+      </p:nvGrpSpPr>
+      <p:grpSpPr>
+        <a:xfrm>
+          <a:off x="0" y="0"/>
+          <a:ext cx="0" cy="0"/>
+          <a:chOff x="0" y="0"/>
+          <a:chExt cx="0" cy="0"/>
+        </a:xfrm>
+      </p:grpSpPr>
+      <p:sp>
+        <p:nvSpPr>
+          <p:cNvPr id="10" name="TextBox 9">
+            <a:extLst>
+              <a:ext uri="{FF2B5EF4-FFF2-40B4-BE49-F238E27FC236}">
+                <a16:creationId xmlns:a16="http://schemas.microsoft.com/office/drawing/2014/main" id="{A71F367F-A8E8-7354-A8CA-E6F860387AE8}"/>
+              </a:ext>
+            </a:extLst>
+          </p:cNvPr>
+          <p:cNvSpPr txBox="1"/>
+          <p:nvPr/>
+        </p:nvSpPr>
+        <p:spPr>
+          <a:xfrm>
+            <a:off x="2931910" y="0"/>
+            <a:ext cx="6097022" cy="369332"/>
+          </a:xfrm>
+          <a:prstGeom prst="rect">
+            <a:avLst/>
+          </a:prstGeom>
+          <a:noFill/>
+        </p:spPr>
+        <p:txBody>
+          <a:bodyPr wrap="square">
+            <a:spAutoFit/>
+          </a:bodyPr>
+          <a:lstStyle/>
+          <a:p>
+            <a:r>
+              <a:rPr lang="en-US" altLang="ko-KR" b="0" i="0" dirty="0" err="1">
+                <a:solidFill>
+                  <a:srgbClr val="212121"/>
+                </a:solidFill>
+                <a:effectLst/>
+                <a:highlight>
+                  <a:srgbClr val="FFFFFF"/>
+                </a:highlight>
+                <a:latin typeface="Roboto" panose="020F0502020204030204" pitchFamily="2" charset="0"/>
+              </a:rPr>
+              <a:t>CrossEntropyLoss</a:t>
+            </a:r>
+            <a:r>
+              <a:rPr lang="en-US" altLang="ko-KR" b="0" i="0" dirty="0">
+                <a:solidFill>
+                  <a:srgbClr val="212121"/>
+                </a:solidFill>
+                <a:effectLst/>
+                <a:highlight>
+                  <a:srgbClr val="FFFFFF"/>
+                </a:highlight>
+                <a:latin typeface="Roboto" panose="020F0502020204030204" pitchFamily="2" charset="0"/>
+              </a:rPr>
+              <a:t> vs </a:t>
+            </a:r>
+            <a:r>
+              <a:rPr lang="en-US" altLang="ko-KR" b="0" i="0" dirty="0" err="1">
+                <a:solidFill>
+                  <a:srgbClr val="212121"/>
+                </a:solidFill>
+                <a:effectLst/>
+                <a:highlight>
+                  <a:srgbClr val="FFFFFF"/>
+                </a:highlight>
+                <a:latin typeface="Roboto" panose="020F0502020204030204" pitchFamily="2" charset="0"/>
+              </a:rPr>
+              <a:t>MultiMarginLoss</a:t>
+            </a:r>
+            <a:endParaRPr lang="ko-KR" altLang="en-US" dirty="0"/>
+          </a:p>
+        </p:txBody>
+      </p:sp>
+      <p:sp>
+        <p:nvSpPr>
+          <p:cNvPr id="15" name="TextBox 14">
+            <a:extLst>
+              <a:ext uri="{FF2B5EF4-FFF2-40B4-BE49-F238E27FC236}">
+                <a16:creationId xmlns:a16="http://schemas.microsoft.com/office/drawing/2014/main" id="{1C0336F6-5AB2-FDB9-0EFF-55457DF55B96}"/>
+              </a:ext>
+            </a:extLst>
+          </p:cNvPr>
+          <p:cNvSpPr txBox="1"/>
+          <p:nvPr/>
+        </p:nvSpPr>
+        <p:spPr>
+          <a:xfrm>
+            <a:off x="6096000" y="1344451"/>
+            <a:ext cx="5504456" cy="3416320"/>
+          </a:xfrm>
+          <a:prstGeom prst="rect">
+            <a:avLst/>
+          </a:prstGeom>
+          <a:noFill/>
+        </p:spPr>
+        <p:txBody>
+          <a:bodyPr wrap="none" rtlCol="0">
+            <a:spAutoFit/>
+          </a:bodyPr>
+          <a:lstStyle/>
+          <a:p>
+            <a:r>
+              <a:rPr lang="en-US" altLang="ko-KR" dirty="0">
+                <a:latin typeface="Times New Roman" panose="02020603050405020304" pitchFamily="18" charset="0"/>
+                <a:cs typeface="Times New Roman" panose="02020603050405020304" pitchFamily="18" charset="0"/>
+              </a:rPr>
+              <a:t>ResNet-101(Pretrained)</a:t>
+            </a:r>
+          </a:p>
+          <a:p>
+            <a:r>
+              <a:rPr lang="en-US" altLang="ko-KR" dirty="0">
+                <a:latin typeface="Times New Roman" panose="02020603050405020304" pitchFamily="18" charset="0"/>
+                <a:cs typeface="Times New Roman" panose="02020603050405020304" pitchFamily="18" charset="0"/>
+              </a:rPr>
+              <a:t>Batch size : 4</a:t>
+            </a:r>
+          </a:p>
+          <a:p>
+            <a:r>
+              <a:rPr lang="en-US" altLang="ko-KR" dirty="0">
+                <a:latin typeface="Times New Roman" panose="02020603050405020304" pitchFamily="18" charset="0"/>
+                <a:cs typeface="Times New Roman" panose="02020603050405020304" pitchFamily="18" charset="0"/>
+              </a:rPr>
+              <a:t>Learning rate : 5e-4</a:t>
+            </a:r>
+          </a:p>
+          <a:p>
+            <a:r>
+              <a:rPr lang="en-US" altLang="ko-KR" dirty="0">
+                <a:latin typeface="Times New Roman" panose="02020603050405020304" pitchFamily="18" charset="0"/>
+                <a:cs typeface="Times New Roman" panose="02020603050405020304" pitchFamily="18" charset="0"/>
+              </a:rPr>
+              <a:t>Optimizer : Momentum</a:t>
+            </a:r>
+          </a:p>
+          <a:p>
+            <a:r>
+              <a:rPr lang="en-US" altLang="ko-KR" dirty="0">
+                <a:latin typeface="Times New Roman" panose="02020603050405020304" pitchFamily="18" charset="0"/>
+                <a:cs typeface="Times New Roman" panose="02020603050405020304" pitchFamily="18" charset="0"/>
+              </a:rPr>
+              <a:t>Activation function : </a:t>
+            </a:r>
+            <a:r>
+              <a:rPr lang="en-US" altLang="ko-KR" dirty="0" err="1">
+                <a:latin typeface="Times New Roman" panose="02020603050405020304" pitchFamily="18" charset="0"/>
+                <a:cs typeface="Times New Roman" panose="02020603050405020304" pitchFamily="18" charset="0"/>
+              </a:rPr>
+              <a:t>ReLU</a:t>
+            </a:r>
+            <a:endParaRPr lang="en-US" altLang="ko-KR" dirty="0">
+              <a:latin typeface="Times New Roman" panose="02020603050405020304" pitchFamily="18" charset="0"/>
+              <a:cs typeface="Times New Roman" panose="02020603050405020304" pitchFamily="18" charset="0"/>
+            </a:endParaRPr>
+          </a:p>
+          <a:p>
+            <a:endParaRPr lang="en-US" altLang="ko-KR" dirty="0">
+              <a:latin typeface="Times New Roman" panose="02020603050405020304" pitchFamily="18" charset="0"/>
+              <a:cs typeface="Times New Roman" panose="02020603050405020304" pitchFamily="18" charset="0"/>
+            </a:endParaRPr>
+          </a:p>
+          <a:p>
+            <a:r>
+              <a:rPr lang="en-US" altLang="ko-KR" dirty="0">
+                <a:latin typeface="Times New Roman" panose="02020603050405020304" pitchFamily="18" charset="0"/>
+                <a:cs typeface="Times New Roman" panose="02020603050405020304" pitchFamily="18" charset="0"/>
+              </a:rPr>
+              <a:t>5-fold cross-validation</a:t>
+            </a:r>
+          </a:p>
+          <a:p>
+            <a:r>
+              <a:rPr lang="en-US" altLang="ko-KR" dirty="0">
+                <a:latin typeface="Times New Roman" panose="02020603050405020304" pitchFamily="18" charset="0"/>
+                <a:cs typeface="Times New Roman" panose="02020603050405020304" pitchFamily="18" charset="0"/>
+              </a:rPr>
+              <a:t>acc/</a:t>
+            </a:r>
+            <a:r>
+              <a:rPr lang="en-US" altLang="ko-KR" dirty="0" err="1">
+                <a:latin typeface="Times New Roman" panose="02020603050405020304" pitchFamily="18" charset="0"/>
+                <a:cs typeface="Times New Roman" panose="02020603050405020304" pitchFamily="18" charset="0"/>
+              </a:rPr>
+              <a:t>val</a:t>
+            </a:r>
+            <a:r>
+              <a:rPr lang="en-US" altLang="ko-KR" dirty="0">
+                <a:latin typeface="Times New Roman" panose="02020603050405020304" pitchFamily="18" charset="0"/>
+                <a:cs typeface="Times New Roman" panose="02020603050405020304" pitchFamily="18" charset="0"/>
+              </a:rPr>
+              <a:t> - Mean: 0.9046, Standard Deviation: 0.0126</a:t>
+            </a:r>
+          </a:p>
+          <a:p>
+            <a:r>
+              <a:rPr lang="en-US" altLang="ko-KR" dirty="0">
+                <a:latin typeface="Times New Roman" panose="02020603050405020304" pitchFamily="18" charset="0"/>
+                <a:cs typeface="Times New Roman" panose="02020603050405020304" pitchFamily="18" charset="0"/>
+              </a:rPr>
+              <a:t>f1-score/</a:t>
+            </a:r>
+            <a:r>
+              <a:rPr lang="en-US" altLang="ko-KR" dirty="0" err="1">
+                <a:latin typeface="Times New Roman" panose="02020603050405020304" pitchFamily="18" charset="0"/>
+                <a:cs typeface="Times New Roman" panose="02020603050405020304" pitchFamily="18" charset="0"/>
+              </a:rPr>
+              <a:t>val</a:t>
+            </a:r>
+            <a:r>
+              <a:rPr lang="en-US" altLang="ko-KR" dirty="0">
+                <a:latin typeface="Times New Roman" panose="02020603050405020304" pitchFamily="18" charset="0"/>
+                <a:cs typeface="Times New Roman" panose="02020603050405020304" pitchFamily="18" charset="0"/>
+              </a:rPr>
+              <a:t> - Mean: 0.9498, Standard Deviation: 0.0070</a:t>
+            </a:r>
+          </a:p>
+          <a:p>
+            <a:r>
+              <a:rPr lang="en-US" altLang="ko-KR" dirty="0">
+                <a:latin typeface="Times New Roman" panose="02020603050405020304" pitchFamily="18" charset="0"/>
+                <a:cs typeface="Times New Roman" panose="02020603050405020304" pitchFamily="18" charset="0"/>
+              </a:rPr>
+              <a:t>loss/</a:t>
+            </a:r>
+            <a:r>
+              <a:rPr lang="en-US" altLang="ko-KR" dirty="0" err="1">
+                <a:latin typeface="Times New Roman" panose="02020603050405020304" pitchFamily="18" charset="0"/>
+                <a:cs typeface="Times New Roman" panose="02020603050405020304" pitchFamily="18" charset="0"/>
+              </a:rPr>
+              <a:t>val</a:t>
+            </a:r>
+            <a:r>
+              <a:rPr lang="en-US" altLang="ko-KR" dirty="0">
+                <a:latin typeface="Times New Roman" panose="02020603050405020304" pitchFamily="18" charset="0"/>
+                <a:cs typeface="Times New Roman" panose="02020603050405020304" pitchFamily="18" charset="0"/>
+              </a:rPr>
+              <a:t> - Mean: 0.4040, Standard Deviation: 0.0343</a:t>
+            </a:r>
+          </a:p>
+          <a:p>
+            <a:r>
+              <a:rPr lang="en-US" altLang="ko-KR" dirty="0">
+                <a:latin typeface="Times New Roman" panose="02020603050405020304" pitchFamily="18" charset="0"/>
+                <a:cs typeface="Times New Roman" panose="02020603050405020304" pitchFamily="18" charset="0"/>
+              </a:rPr>
+              <a:t>precision/</a:t>
+            </a:r>
+            <a:r>
+              <a:rPr lang="en-US" altLang="ko-KR" dirty="0" err="1">
+                <a:latin typeface="Times New Roman" panose="02020603050405020304" pitchFamily="18" charset="0"/>
+                <a:cs typeface="Times New Roman" panose="02020603050405020304" pitchFamily="18" charset="0"/>
+              </a:rPr>
+              <a:t>val</a:t>
+            </a:r>
+            <a:r>
+              <a:rPr lang="en-US" altLang="ko-KR" dirty="0">
+                <a:latin typeface="Times New Roman" panose="02020603050405020304" pitchFamily="18" charset="0"/>
+                <a:cs typeface="Times New Roman" panose="02020603050405020304" pitchFamily="18" charset="0"/>
+              </a:rPr>
+              <a:t> - Mean: 1.0000, Standard Deviation: 0.0000</a:t>
+            </a:r>
+          </a:p>
+          <a:p>
+            <a:r>
+              <a:rPr lang="en-US" altLang="ko-KR" dirty="0">
+                <a:latin typeface="Times New Roman" panose="02020603050405020304" pitchFamily="18" charset="0"/>
+                <a:cs typeface="Times New Roman" panose="02020603050405020304" pitchFamily="18" charset="0"/>
+              </a:rPr>
+              <a:t>recall/</a:t>
+            </a:r>
+            <a:r>
+              <a:rPr lang="en-US" altLang="ko-KR" dirty="0" err="1">
+                <a:latin typeface="Times New Roman" panose="02020603050405020304" pitchFamily="18" charset="0"/>
+                <a:cs typeface="Times New Roman" panose="02020603050405020304" pitchFamily="18" charset="0"/>
+              </a:rPr>
+              <a:t>val</a:t>
+            </a:r>
+            <a:r>
+              <a:rPr lang="en-US" altLang="ko-KR" dirty="0">
+                <a:latin typeface="Times New Roman" panose="02020603050405020304" pitchFamily="18" charset="0"/>
+                <a:cs typeface="Times New Roman" panose="02020603050405020304" pitchFamily="18" charset="0"/>
+              </a:rPr>
+              <a:t> - Mean: 0.9046, Standard Deviation: 0.0126</a:t>
+            </a:r>
+          </a:p>
+        </p:txBody>
+      </p:sp>
+      <p:pic>
+        <p:nvPicPr>
+          <p:cNvPr id="3" name="그림 2">
+            <a:extLst>
+              <a:ext uri="{FF2B5EF4-FFF2-40B4-BE49-F238E27FC236}">
+                <a16:creationId xmlns:a16="http://schemas.microsoft.com/office/drawing/2014/main" id="{2A16119A-0EC8-A0F3-D90D-9B81F472B590}"/>
+              </a:ext>
+            </a:extLst>
+          </p:cNvPr>
+          <p:cNvPicPr>
+            <a:picLocks noChangeAspect="1"/>
+          </p:cNvPicPr>
+          <p:nvPr/>
+        </p:nvPicPr>
+        <p:blipFill>
+          <a:blip r:embed="rId3"/>
+          <a:stretch>
+            <a:fillRect/>
+          </a:stretch>
+        </p:blipFill>
+        <p:spPr>
+          <a:xfrm>
+            <a:off x="80299" y="896835"/>
+            <a:ext cx="6045679" cy="2478229"/>
+          </a:xfrm>
+          <a:prstGeom prst="rect">
+            <a:avLst/>
+          </a:prstGeom>
+        </p:spPr>
+      </p:pic>
+      <p:pic>
+        <p:nvPicPr>
+          <p:cNvPr id="5" name="그림 4">
+            <a:extLst>
+              <a:ext uri="{FF2B5EF4-FFF2-40B4-BE49-F238E27FC236}">
+                <a16:creationId xmlns:a16="http://schemas.microsoft.com/office/drawing/2014/main" id="{25B32FB4-C1C4-A224-EC99-409B004C8765}"/>
+              </a:ext>
+            </a:extLst>
+          </p:cNvPr>
+          <p:cNvPicPr>
+            <a:picLocks noChangeAspect="1"/>
+          </p:cNvPicPr>
+          <p:nvPr/>
+        </p:nvPicPr>
+        <p:blipFill>
+          <a:blip r:embed="rId4"/>
+          <a:stretch>
+            <a:fillRect/>
+          </a:stretch>
+        </p:blipFill>
+        <p:spPr>
+          <a:xfrm>
+            <a:off x="80299" y="3375064"/>
+            <a:ext cx="6045679" cy="2475515"/>
+          </a:xfrm>
+          <a:prstGeom prst="rect">
+            <a:avLst/>
+          </a:prstGeom>
+        </p:spPr>
+      </p:pic>
+    </p:spTree>
+    <p:extLst>
+      <p:ext uri="{BB962C8B-B14F-4D97-AF65-F5344CB8AC3E}">
+        <p14:creationId xmlns:p14="http://schemas.microsoft.com/office/powerpoint/2010/main" val="3498138376"/>
+      </p:ext>
+    </p:extLst>
+  </p:cSld>
+  <p:clrMapOvr>
+    <a:masterClrMapping/>
+  </p:clrMapOvr>
+</p:sld>
+</file>
+
 <file path=ppt/slides/slide2.xml><?xml version="1.0" encoding="utf-8"?>
 <p:sld xmlns:a="http://schemas.openxmlformats.org/drawingml/2006/main" xmlns:r="http://schemas.openxmlformats.org/officeDocument/2006/relationships" xmlns:p="http://schemas.openxmlformats.org/presentationml/2006/main">
   <p:cSld>
@@ -3895,12 +5797,52 @@
           <a:chExt cx="0" cy="0"/>
         </a:xfrm>
       </p:grpSpPr>
+      <p:sp>
+        <p:nvSpPr>
+          <p:cNvPr id="10" name="TextBox 9">
+            <a:extLst>
+              <a:ext uri="{FF2B5EF4-FFF2-40B4-BE49-F238E27FC236}">
+                <a16:creationId xmlns:a16="http://schemas.microsoft.com/office/drawing/2014/main" id="{A71F367F-A8E8-7354-A8CA-E6F860387AE8}"/>
+              </a:ext>
+            </a:extLst>
+          </p:cNvPr>
+          <p:cNvSpPr txBox="1"/>
+          <p:nvPr/>
+        </p:nvSpPr>
+        <p:spPr>
+          <a:xfrm>
+            <a:off x="2931910" y="0"/>
+            <a:ext cx="6097022" cy="369332"/>
+          </a:xfrm>
+          <a:prstGeom prst="rect">
+            <a:avLst/>
+          </a:prstGeom>
+          <a:noFill/>
+        </p:spPr>
+        <p:txBody>
+          <a:bodyPr wrap="square">
+            <a:spAutoFit/>
+          </a:bodyPr>
+          <a:lstStyle/>
+          <a:p>
+            <a:r>
+              <a:rPr lang="en-US" altLang="ko-KR" dirty="0"/>
+              <a:t>Activation </a:t>
+            </a:r>
+            <a:r>
+              <a:rPr lang="en-US" altLang="ko-KR" dirty="0" err="1"/>
+              <a:t>Fn</a:t>
+            </a:r>
+            <a:endParaRPr lang="ko-KR" altLang="en-US" dirty="0"/>
+          </a:p>
+        </p:txBody>
+      </p:sp>
       <p:pic>
         <p:nvPicPr>
-          <p:cNvPr id="7" name="그림 6">
-            <a:extLst>
-              <a:ext uri="{FF2B5EF4-FFF2-40B4-BE49-F238E27FC236}">
-                <a16:creationId xmlns:a16="http://schemas.microsoft.com/office/drawing/2014/main" id="{826C38BF-6F12-6E30-DF9B-1638AE753CE6}"/>
+          <p:cNvPr id="5" name="그림 4">
+            <a:extLst>
+              <a:ext uri="{FF2B5EF4-FFF2-40B4-BE49-F238E27FC236}">
+                <a16:creationId xmlns:a16="http://schemas.microsoft.com/office/drawing/2014/main" id="{282A62FF-F873-F190-8124-192E4C3F51CD}"/>
               </a:ext>
             </a:extLst>
           </p:cNvPr>
@@ -3917,72 +5859,20 @@
         </p:blipFill>
         <p:spPr>
           <a:xfrm>
-            <a:off x="84603" y="3331689"/>
-            <a:ext cx="6011397" cy="2864220"/>
+            <a:off x="84603" y="999720"/>
+            <a:ext cx="6011397" cy="2328358"/>
           </a:xfrm>
           <a:prstGeom prst="rect">
             <a:avLst/>
           </a:prstGeom>
         </p:spPr>
       </p:pic>
-      <p:sp>
-        <p:nvSpPr>
-          <p:cNvPr id="10" name="TextBox 9">
-            <a:extLst>
-              <a:ext uri="{FF2B5EF4-FFF2-40B4-BE49-F238E27FC236}">
-                <a16:creationId xmlns:a16="http://schemas.microsoft.com/office/drawing/2014/main" id="{A71F367F-A8E8-7354-A8CA-E6F860387AE8}"/>
-              </a:ext>
-            </a:extLst>
-          </p:cNvPr>
-          <p:cNvSpPr txBox="1"/>
-          <p:nvPr/>
-        </p:nvSpPr>
-        <p:spPr>
-          <a:xfrm>
-            <a:off x="2931910" y="0"/>
-            <a:ext cx="6097022" cy="369332"/>
-          </a:xfrm>
-          <a:prstGeom prst="rect">
-            <a:avLst/>
-          </a:prstGeom>
-          <a:noFill/>
-        </p:spPr>
-        <p:txBody>
-          <a:bodyPr wrap="square">
-            <a:spAutoFit/>
-          </a:bodyPr>
-          <a:lstStyle/>
-          <a:p>
-            <a:r>
-              <a:rPr lang="ko-KR" altLang="en-US" dirty="0" err="1"/>
-              <a:t>Xavier</a:t>
-            </a:r>
-            <a:r>
-              <a:rPr lang="ko-KR" altLang="en-US" dirty="0"/>
-              <a:t> </a:t>
-            </a:r>
-            <a:r>
-              <a:rPr lang="ko-KR" altLang="en-US" dirty="0" err="1"/>
-              <a:t>vs</a:t>
-            </a:r>
-            <a:r>
-              <a:rPr lang="ko-KR" altLang="en-US" dirty="0"/>
-              <a:t> </a:t>
-            </a:r>
-            <a:r>
-              <a:rPr lang="ko-KR" altLang="en-US" dirty="0" err="1"/>
-              <a:t>Kaiming</a:t>
-            </a:r>
-            <a:endParaRPr lang="ko-KR" altLang="en-US" dirty="0"/>
-          </a:p>
-        </p:txBody>
-      </p:sp>
       <p:pic>
         <p:nvPicPr>
-          <p:cNvPr id="12" name="그림 11">
-            <a:extLst>
-              <a:ext uri="{FF2B5EF4-FFF2-40B4-BE49-F238E27FC236}">
-                <a16:creationId xmlns:a16="http://schemas.microsoft.com/office/drawing/2014/main" id="{38E45DCA-13C5-AF2C-7E1F-BB2D91D5839F}"/>
+          <p:cNvPr id="11" name="그림 10">
+            <a:extLst>
+              <a:ext uri="{FF2B5EF4-FFF2-40B4-BE49-F238E27FC236}">
+                <a16:creationId xmlns:a16="http://schemas.microsoft.com/office/drawing/2014/main" id="{1782426F-59BC-7227-1513-9D9A675A7358}"/>
               </a:ext>
             </a:extLst>
           </p:cNvPr>
@@ -3999,8 +5889,8 @@
         </p:blipFill>
         <p:spPr>
           <a:xfrm>
-            <a:off x="6096001" y="544796"/>
-            <a:ext cx="5943536" cy="2786921"/>
+            <a:off x="84603" y="3328078"/>
+            <a:ext cx="6011397" cy="2333062"/>
           </a:xfrm>
           <a:prstGeom prst="rect">
             <a:avLst/>
@@ -4009,10 +5899,10 @@
       </p:pic>
       <p:pic>
         <p:nvPicPr>
-          <p:cNvPr id="14" name="그림 13">
-            <a:extLst>
-              <a:ext uri="{FF2B5EF4-FFF2-40B4-BE49-F238E27FC236}">
-                <a16:creationId xmlns:a16="http://schemas.microsoft.com/office/drawing/2014/main" id="{E1BFA589-7028-1A99-0057-3B5E33D1E26E}"/>
+          <p:cNvPr id="15" name="그림 14">
+            <a:extLst>
+              <a:ext uri="{FF2B5EF4-FFF2-40B4-BE49-F238E27FC236}">
+                <a16:creationId xmlns:a16="http://schemas.microsoft.com/office/drawing/2014/main" id="{B28DCC53-96D0-3F20-2B64-ABD066A936A2}"/>
               </a:ext>
             </a:extLst>
           </p:cNvPr>
@@ -4029,38 +5919,8 @@
         </p:blipFill>
         <p:spPr>
           <a:xfrm>
-            <a:off x="6096000" y="3331690"/>
-            <a:ext cx="6011397" cy="2846896"/>
-          </a:xfrm>
-          <a:prstGeom prst="rect">
-            <a:avLst/>
-          </a:prstGeom>
-        </p:spPr>
-      </p:pic>
-      <p:pic>
-        <p:nvPicPr>
-          <p:cNvPr id="16" name="그림 15">
-            <a:extLst>
-              <a:ext uri="{FF2B5EF4-FFF2-40B4-BE49-F238E27FC236}">
-                <a16:creationId xmlns:a16="http://schemas.microsoft.com/office/drawing/2014/main" id="{DFD52E92-DB2C-C8C8-0C22-761EFD15E632}"/>
-              </a:ext>
-            </a:extLst>
-          </p:cNvPr>
-          <p:cNvPicPr>
-            <a:picLocks noChangeAspect="1"/>
-          </p:cNvPicPr>
-          <p:nvPr/>
-        </p:nvPicPr>
-        <p:blipFill>
-          <a:blip r:embed="rId5"/>
-          <a:stretch>
-            <a:fillRect/>
-          </a:stretch>
-        </p:blipFill>
-        <p:spPr>
-          <a:xfrm>
-            <a:off x="152463" y="527704"/>
-            <a:ext cx="5943536" cy="2803984"/>
+            <a:off x="6096000" y="1700693"/>
+            <a:ext cx="4621822" cy="2878092"/>
           </a:xfrm>
           <a:prstGeom prst="rect">
             <a:avLst/>
@@ -4070,7 +5930,7 @@
     </p:spTree>
     <p:extLst>
       <p:ext uri="{BB962C8B-B14F-4D97-AF65-F5344CB8AC3E}">
-        <p14:creationId xmlns:p14="http://schemas.microsoft.com/office/powerpoint/2010/main" val="2300749216"/>
+        <p14:creationId xmlns:p14="http://schemas.microsoft.com/office/powerpoint/2010/main" val="2433431122"/>
       </p:ext>
     </p:extLst>
   </p:cSld>
@@ -4097,52 +5957,12 @@
           <a:chExt cx="0" cy="0"/>
         </a:xfrm>
       </p:grpSpPr>
-      <p:sp>
-        <p:nvSpPr>
-          <p:cNvPr id="10" name="TextBox 9">
-            <a:extLst>
-              <a:ext uri="{FF2B5EF4-FFF2-40B4-BE49-F238E27FC236}">
-                <a16:creationId xmlns:a16="http://schemas.microsoft.com/office/drawing/2014/main" id="{A71F367F-A8E8-7354-A8CA-E6F860387AE8}"/>
-              </a:ext>
-            </a:extLst>
-          </p:cNvPr>
-          <p:cNvSpPr txBox="1"/>
-          <p:nvPr/>
-        </p:nvSpPr>
-        <p:spPr>
-          <a:xfrm>
-            <a:off x="2931910" y="0"/>
-            <a:ext cx="6097022" cy="369332"/>
-          </a:xfrm>
-          <a:prstGeom prst="rect">
-            <a:avLst/>
-          </a:prstGeom>
-          <a:noFill/>
-        </p:spPr>
-        <p:txBody>
-          <a:bodyPr wrap="square">
-            <a:spAutoFit/>
-          </a:bodyPr>
-          <a:lstStyle/>
-          <a:p>
-            <a:r>
-              <a:rPr lang="en-US" altLang="ko-KR" dirty="0"/>
-              <a:t>Activation </a:t>
-            </a:r>
-            <a:r>
-              <a:rPr lang="en-US" altLang="ko-KR" dirty="0" err="1"/>
-              <a:t>Fn</a:t>
-            </a:r>
-            <a:endParaRPr lang="ko-KR" altLang="en-US" dirty="0"/>
-          </a:p>
-        </p:txBody>
-      </p:sp>
       <p:pic>
         <p:nvPicPr>
-          <p:cNvPr id="5" name="그림 4">
-            <a:extLst>
-              <a:ext uri="{FF2B5EF4-FFF2-40B4-BE49-F238E27FC236}">
-                <a16:creationId xmlns:a16="http://schemas.microsoft.com/office/drawing/2014/main" id="{282A62FF-F873-F190-8124-192E4C3F51CD}"/>
+          <p:cNvPr id="21" name="그림 20">
+            <a:extLst>
+              <a:ext uri="{FF2B5EF4-FFF2-40B4-BE49-F238E27FC236}">
+                <a16:creationId xmlns:a16="http://schemas.microsoft.com/office/drawing/2014/main" id="{664504EF-2BA8-2058-6D53-BF4F29A4D95B}"/>
               </a:ext>
             </a:extLst>
           </p:cNvPr>
@@ -4159,20 +5979,149 @@
         </p:blipFill>
         <p:spPr>
           <a:xfrm>
-            <a:off x="84603" y="999720"/>
-            <a:ext cx="6011397" cy="2328358"/>
+            <a:off x="73450" y="3331687"/>
+            <a:ext cx="6003398" cy="2433811"/>
           </a:xfrm>
           <a:prstGeom prst="rect">
             <a:avLst/>
           </a:prstGeom>
         </p:spPr>
       </p:pic>
+      <p:sp>
+        <p:nvSpPr>
+          <p:cNvPr id="10" name="TextBox 9">
+            <a:extLst>
+              <a:ext uri="{FF2B5EF4-FFF2-40B4-BE49-F238E27FC236}">
+                <a16:creationId xmlns:a16="http://schemas.microsoft.com/office/drawing/2014/main" id="{A71F367F-A8E8-7354-A8CA-E6F860387AE8}"/>
+              </a:ext>
+            </a:extLst>
+          </p:cNvPr>
+          <p:cNvSpPr txBox="1"/>
+          <p:nvPr/>
+        </p:nvSpPr>
+        <p:spPr>
+          <a:xfrm>
+            <a:off x="2931910" y="0"/>
+            <a:ext cx="6097022" cy="369332"/>
+          </a:xfrm>
+          <a:prstGeom prst="rect">
+            <a:avLst/>
+          </a:prstGeom>
+          <a:noFill/>
+        </p:spPr>
+        <p:txBody>
+          <a:bodyPr wrap="square">
+            <a:spAutoFit/>
+          </a:bodyPr>
+          <a:lstStyle/>
+          <a:p>
+            <a:r>
+              <a:rPr lang="en-US" altLang="ko-KR" dirty="0"/>
+              <a:t>Optimizer</a:t>
+            </a:r>
+          </a:p>
+        </p:txBody>
+      </p:sp>
+      <p:sp>
+        <p:nvSpPr>
+          <p:cNvPr id="12" name="직사각형 11">
+            <a:extLst>
+              <a:ext uri="{FF2B5EF4-FFF2-40B4-BE49-F238E27FC236}">
+                <a16:creationId xmlns:a16="http://schemas.microsoft.com/office/drawing/2014/main" id="{ABCF0AB8-5319-5CFF-8084-E5CD1A6C0616}"/>
+              </a:ext>
+            </a:extLst>
+          </p:cNvPr>
+          <p:cNvSpPr/>
+          <p:nvPr/>
+        </p:nvSpPr>
+        <p:spPr>
+          <a:xfrm>
+            <a:off x="5093638" y="4864493"/>
+            <a:ext cx="693472" cy="456211"/>
+          </a:xfrm>
+          <a:prstGeom prst="rect">
+            <a:avLst/>
+          </a:prstGeom>
+          <a:noFill/>
+          <a:ln>
+            <a:solidFill>
+              <a:srgbClr val="FF0000"/>
+            </a:solidFill>
+          </a:ln>
+        </p:spPr>
+        <p:style>
+          <a:lnRef idx="2">
+            <a:schemeClr val="accent1">
+              <a:shade val="15000"/>
+            </a:schemeClr>
+          </a:lnRef>
+          <a:fillRef idx="1">
+            <a:schemeClr val="accent1"/>
+          </a:fillRef>
+          <a:effectRef idx="0">
+            <a:schemeClr val="accent1"/>
+          </a:effectRef>
+          <a:fontRef idx="minor">
+            <a:schemeClr val="lt1"/>
+          </a:fontRef>
+        </p:style>
+        <p:txBody>
+          <a:bodyPr rtlCol="0" anchor="ctr"/>
+          <a:lstStyle/>
+          <a:p>
+            <a:pPr algn="ctr"/>
+            <a:endParaRPr lang="ko-KR" altLang="en-US"/>
+          </a:p>
+        </p:txBody>
+      </p:sp>
+      <p:cxnSp>
+        <p:nvCxnSpPr>
+          <p:cNvPr id="14" name="직선 화살표 연결선 13">
+            <a:extLst>
+              <a:ext uri="{FF2B5EF4-FFF2-40B4-BE49-F238E27FC236}">
+                <a16:creationId xmlns:a16="http://schemas.microsoft.com/office/drawing/2014/main" id="{65F14C5C-E39E-7D91-8395-F4AF144B2F62}"/>
+              </a:ext>
+            </a:extLst>
+          </p:cNvPr>
+          <p:cNvCxnSpPr/>
+          <p:nvPr/>
+        </p:nvCxnSpPr>
+        <p:spPr>
+          <a:xfrm>
+            <a:off x="5842341" y="5157515"/>
+            <a:ext cx="441858" cy="120230"/>
+          </a:xfrm>
+          <a:prstGeom prst="straightConnector1">
+            <a:avLst/>
+          </a:prstGeom>
+          <a:ln>
+            <a:solidFill>
+              <a:srgbClr val="FF0000"/>
+            </a:solidFill>
+            <a:tailEnd type="triangle"/>
+          </a:ln>
+        </p:spPr>
+        <p:style>
+          <a:lnRef idx="2">
+            <a:schemeClr val="accent1"/>
+          </a:lnRef>
+          <a:fillRef idx="0">
+            <a:schemeClr val="accent1"/>
+          </a:fillRef>
+          <a:effectRef idx="1">
+            <a:schemeClr val="accent1"/>
+          </a:effectRef>
+          <a:fontRef idx="minor">
+            <a:schemeClr val="tx1"/>
+          </a:fontRef>
+        </p:style>
+      </p:cxnSp>
       <p:pic>
         <p:nvPicPr>
-          <p:cNvPr id="11" name="그림 10">
-            <a:extLst>
-              <a:ext uri="{FF2B5EF4-FFF2-40B4-BE49-F238E27FC236}">
-                <a16:creationId xmlns:a16="http://schemas.microsoft.com/office/drawing/2014/main" id="{1782426F-59BC-7227-1513-9D9A675A7358}"/>
+          <p:cNvPr id="19" name="그림 18">
+            <a:extLst>
+              <a:ext uri="{FF2B5EF4-FFF2-40B4-BE49-F238E27FC236}">
+                <a16:creationId xmlns:a16="http://schemas.microsoft.com/office/drawing/2014/main" id="{4AF3F08E-D35E-A8CB-5CDB-DD4802F603BC}"/>
               </a:ext>
             </a:extLst>
           </p:cNvPr>
@@ -4189,8 +6138,8 @@
         </p:blipFill>
         <p:spPr>
           <a:xfrm>
-            <a:off x="84603" y="3328078"/>
-            <a:ext cx="6011397" cy="2333062"/>
+            <a:off x="79026" y="926144"/>
+            <a:ext cx="6011398" cy="2405543"/>
           </a:xfrm>
           <a:prstGeom prst="rect">
             <a:avLst/>
@@ -4199,10 +6148,10 @@
       </p:pic>
       <p:pic>
         <p:nvPicPr>
-          <p:cNvPr id="15" name="그림 14">
-            <a:extLst>
-              <a:ext uri="{FF2B5EF4-FFF2-40B4-BE49-F238E27FC236}">
-                <a16:creationId xmlns:a16="http://schemas.microsoft.com/office/drawing/2014/main" id="{B28DCC53-96D0-3F20-2B64-ABD066A936A2}"/>
+          <p:cNvPr id="23" name="그림 22">
+            <a:extLst>
+              <a:ext uri="{FF2B5EF4-FFF2-40B4-BE49-F238E27FC236}">
+                <a16:creationId xmlns:a16="http://schemas.microsoft.com/office/drawing/2014/main" id="{CCBF4986-3DF0-70DD-C118-201654206E99}"/>
               </a:ext>
             </a:extLst>
           </p:cNvPr>
@@ -4219,8 +6168,308 @@
         </p:blipFill>
         <p:spPr>
           <a:xfrm>
-            <a:off x="6096000" y="1700693"/>
-            <a:ext cx="4621822" cy="2878092"/>
+            <a:off x="6308320" y="4349462"/>
+            <a:ext cx="1951965" cy="1416035"/>
+          </a:xfrm>
+          <a:prstGeom prst="rect">
+            <a:avLst/>
+          </a:prstGeom>
+        </p:spPr>
+      </p:pic>
+      <p:pic>
+        <p:nvPicPr>
+          <p:cNvPr id="25" name="그림 24">
+            <a:extLst>
+              <a:ext uri="{FF2B5EF4-FFF2-40B4-BE49-F238E27FC236}">
+                <a16:creationId xmlns:a16="http://schemas.microsoft.com/office/drawing/2014/main" id="{4BAD9679-E774-0C5B-F16C-A307C7E13EF2}"/>
+              </a:ext>
+            </a:extLst>
+          </p:cNvPr>
+          <p:cNvPicPr>
+            <a:picLocks noChangeAspect="1"/>
+          </p:cNvPicPr>
+          <p:nvPr/>
+        </p:nvPicPr>
+        <p:blipFill>
+          <a:blip r:embed="rId5"/>
+          <a:stretch>
+            <a:fillRect/>
+          </a:stretch>
+        </p:blipFill>
+        <p:spPr>
+          <a:xfrm>
+            <a:off x="6115154" y="2537980"/>
+            <a:ext cx="4415788" cy="1706622"/>
+          </a:xfrm>
+          <a:prstGeom prst="rect">
+            <a:avLst/>
+          </a:prstGeom>
+        </p:spPr>
+      </p:pic>
+      <p:pic>
+        <p:nvPicPr>
+          <p:cNvPr id="27" name="그림 26">
+            <a:extLst>
+              <a:ext uri="{FF2B5EF4-FFF2-40B4-BE49-F238E27FC236}">
+                <a16:creationId xmlns:a16="http://schemas.microsoft.com/office/drawing/2014/main" id="{884DC5C4-67C7-D1D8-3831-5397314EABBD}"/>
+              </a:ext>
+            </a:extLst>
+          </p:cNvPr>
+          <p:cNvPicPr>
+            <a:picLocks noChangeAspect="1"/>
+          </p:cNvPicPr>
+          <p:nvPr/>
+        </p:nvPicPr>
+        <p:blipFill>
+          <a:blip r:embed="rId6"/>
+          <a:stretch>
+            <a:fillRect/>
+          </a:stretch>
+        </p:blipFill>
+        <p:spPr>
+          <a:xfrm>
+            <a:off x="6115154" y="2067170"/>
+            <a:ext cx="4503190" cy="375266"/>
+          </a:xfrm>
+          <a:prstGeom prst="rect">
+            <a:avLst/>
+          </a:prstGeom>
+        </p:spPr>
+      </p:pic>
+      <p:sp>
+        <p:nvSpPr>
+          <p:cNvPr id="28" name="TextBox 27">
+            <a:extLst>
+              <a:ext uri="{FF2B5EF4-FFF2-40B4-BE49-F238E27FC236}">
+                <a16:creationId xmlns:a16="http://schemas.microsoft.com/office/drawing/2014/main" id="{97EB5D55-BE76-E9E0-951B-61091F7C0991}"/>
+              </a:ext>
+            </a:extLst>
+          </p:cNvPr>
+          <p:cNvSpPr txBox="1"/>
+          <p:nvPr/>
+        </p:nvSpPr>
+        <p:spPr>
+          <a:xfrm>
+            <a:off x="8610478" y="2063788"/>
+            <a:ext cx="902811" cy="369332"/>
+          </a:xfrm>
+          <a:prstGeom prst="rect">
+            <a:avLst/>
+          </a:prstGeom>
+          <a:noFill/>
+        </p:spPr>
+        <p:txBody>
+          <a:bodyPr wrap="none" rtlCol="0">
+            <a:spAutoFit/>
+          </a:bodyPr>
+          <a:lstStyle/>
+          <a:p>
+            <a:r>
+              <a:rPr lang="en-US" altLang="ko-KR" dirty="0">
+                <a:latin typeface="Times New Roman" panose="02020603050405020304" pitchFamily="18" charset="0"/>
+                <a:cs typeface="Times New Roman" panose="02020603050405020304" pitchFamily="18" charset="0"/>
+              </a:rPr>
+              <a:t>(Adam)</a:t>
+            </a:r>
+          </a:p>
+        </p:txBody>
+      </p:sp>
+    </p:spTree>
+    <p:extLst>
+      <p:ext uri="{BB962C8B-B14F-4D97-AF65-F5344CB8AC3E}">
+        <p14:creationId xmlns:p14="http://schemas.microsoft.com/office/powerpoint/2010/main" val="1657914922"/>
+      </p:ext>
+    </p:extLst>
+  </p:cSld>
+  <p:clrMapOvr>
+    <a:masterClrMapping/>
+  </p:clrMapOvr>
+</p:sld>
+</file>
+
+<file path=ppt/slides/slide6.xml><?xml version="1.0" encoding="utf-8"?>
+<p:sld xmlns:a="http://schemas.openxmlformats.org/drawingml/2006/main" xmlns:r="http://schemas.openxmlformats.org/officeDocument/2006/relationships" xmlns:p="http://schemas.openxmlformats.org/presentationml/2006/main">
+  <p:cSld>
+    <p:spTree>
+      <p:nvGrpSpPr>
+        <p:cNvPr id="1" name=""/>
+        <p:cNvGrpSpPr/>
+        <p:nvPr/>
+      </p:nvGrpSpPr>
+      <p:grpSpPr>
+        <a:xfrm>
+          <a:off x="0" y="0"/>
+          <a:ext cx="0" cy="0"/>
+          <a:chOff x="0" y="0"/>
+          <a:chExt cx="0" cy="0"/>
+        </a:xfrm>
+      </p:grpSpPr>
+      <p:pic>
+        <p:nvPicPr>
+          <p:cNvPr id="7" name="그림 6">
+            <a:extLst>
+              <a:ext uri="{FF2B5EF4-FFF2-40B4-BE49-F238E27FC236}">
+                <a16:creationId xmlns:a16="http://schemas.microsoft.com/office/drawing/2014/main" id="{826C38BF-6F12-6E30-DF9B-1638AE753CE6}"/>
+              </a:ext>
+            </a:extLst>
+          </p:cNvPr>
+          <p:cNvPicPr>
+            <a:picLocks noChangeAspect="1"/>
+          </p:cNvPicPr>
+          <p:nvPr/>
+        </p:nvPicPr>
+        <p:blipFill>
+          <a:blip r:embed="rId2"/>
+          <a:stretch>
+            <a:fillRect/>
+          </a:stretch>
+        </p:blipFill>
+        <p:spPr>
+          <a:xfrm>
+            <a:off x="84603" y="3331689"/>
+            <a:ext cx="6011397" cy="2864220"/>
+          </a:xfrm>
+          <a:prstGeom prst="rect">
+            <a:avLst/>
+          </a:prstGeom>
+        </p:spPr>
+      </p:pic>
+      <p:sp>
+        <p:nvSpPr>
+          <p:cNvPr id="10" name="TextBox 9">
+            <a:extLst>
+              <a:ext uri="{FF2B5EF4-FFF2-40B4-BE49-F238E27FC236}">
+                <a16:creationId xmlns:a16="http://schemas.microsoft.com/office/drawing/2014/main" id="{A71F367F-A8E8-7354-A8CA-E6F860387AE8}"/>
+              </a:ext>
+            </a:extLst>
+          </p:cNvPr>
+          <p:cNvSpPr txBox="1"/>
+          <p:nvPr/>
+        </p:nvSpPr>
+        <p:spPr>
+          <a:xfrm>
+            <a:off x="2931910" y="0"/>
+            <a:ext cx="6097022" cy="369332"/>
+          </a:xfrm>
+          <a:prstGeom prst="rect">
+            <a:avLst/>
+          </a:prstGeom>
+          <a:noFill/>
+        </p:spPr>
+        <p:txBody>
+          <a:bodyPr wrap="square">
+            <a:spAutoFit/>
+          </a:bodyPr>
+          <a:lstStyle/>
+          <a:p>
+            <a:r>
+              <a:rPr lang="ko-KR" altLang="en-US" dirty="0" err="1"/>
+              <a:t>Xavier</a:t>
+            </a:r>
+            <a:r>
+              <a:rPr lang="ko-KR" altLang="en-US" dirty="0"/>
+              <a:t> </a:t>
+            </a:r>
+            <a:r>
+              <a:rPr lang="ko-KR" altLang="en-US" dirty="0" err="1"/>
+              <a:t>vs</a:t>
+            </a:r>
+            <a:r>
+              <a:rPr lang="ko-KR" altLang="en-US" dirty="0"/>
+              <a:t> </a:t>
+            </a:r>
+            <a:r>
+              <a:rPr lang="ko-KR" altLang="en-US" dirty="0" err="1"/>
+              <a:t>Kaiming</a:t>
+            </a:r>
+            <a:endParaRPr lang="ko-KR" altLang="en-US" dirty="0"/>
+          </a:p>
+        </p:txBody>
+      </p:sp>
+      <p:pic>
+        <p:nvPicPr>
+          <p:cNvPr id="12" name="그림 11">
+            <a:extLst>
+              <a:ext uri="{FF2B5EF4-FFF2-40B4-BE49-F238E27FC236}">
+                <a16:creationId xmlns:a16="http://schemas.microsoft.com/office/drawing/2014/main" id="{38E45DCA-13C5-AF2C-7E1F-BB2D91D5839F}"/>
+              </a:ext>
+            </a:extLst>
+          </p:cNvPr>
+          <p:cNvPicPr>
+            <a:picLocks noChangeAspect="1"/>
+          </p:cNvPicPr>
+          <p:nvPr/>
+        </p:nvPicPr>
+        <p:blipFill>
+          <a:blip r:embed="rId3"/>
+          <a:stretch>
+            <a:fillRect/>
+          </a:stretch>
+        </p:blipFill>
+        <p:spPr>
+          <a:xfrm>
+            <a:off x="6096001" y="544796"/>
+            <a:ext cx="5943536" cy="2786921"/>
+          </a:xfrm>
+          <a:prstGeom prst="rect">
+            <a:avLst/>
+          </a:prstGeom>
+        </p:spPr>
+      </p:pic>
+      <p:pic>
+        <p:nvPicPr>
+          <p:cNvPr id="14" name="그림 13">
+            <a:extLst>
+              <a:ext uri="{FF2B5EF4-FFF2-40B4-BE49-F238E27FC236}">
+                <a16:creationId xmlns:a16="http://schemas.microsoft.com/office/drawing/2014/main" id="{E1BFA589-7028-1A99-0057-3B5E33D1E26E}"/>
+              </a:ext>
+            </a:extLst>
+          </p:cNvPr>
+          <p:cNvPicPr>
+            <a:picLocks noChangeAspect="1"/>
+          </p:cNvPicPr>
+          <p:nvPr/>
+        </p:nvPicPr>
+        <p:blipFill>
+          <a:blip r:embed="rId4"/>
+          <a:stretch>
+            <a:fillRect/>
+          </a:stretch>
+        </p:blipFill>
+        <p:spPr>
+          <a:xfrm>
+            <a:off x="6096000" y="3331690"/>
+            <a:ext cx="6011397" cy="2846896"/>
+          </a:xfrm>
+          <a:prstGeom prst="rect">
+            <a:avLst/>
+          </a:prstGeom>
+        </p:spPr>
+      </p:pic>
+      <p:pic>
+        <p:nvPicPr>
+          <p:cNvPr id="3" name="그림 2">
+            <a:extLst>
+              <a:ext uri="{FF2B5EF4-FFF2-40B4-BE49-F238E27FC236}">
+                <a16:creationId xmlns:a16="http://schemas.microsoft.com/office/drawing/2014/main" id="{3BAF0022-2C4B-FD47-B021-57D6D9CF1929}"/>
+              </a:ext>
+            </a:extLst>
+          </p:cNvPr>
+          <p:cNvPicPr>
+            <a:picLocks noChangeAspect="1"/>
+          </p:cNvPicPr>
+          <p:nvPr/>
+        </p:nvPicPr>
+        <p:blipFill>
+          <a:blip r:embed="rId5"/>
+          <a:stretch>
+            <a:fillRect/>
+          </a:stretch>
+        </p:blipFill>
+        <p:spPr>
+          <a:xfrm>
+            <a:off x="84602" y="906468"/>
+            <a:ext cx="6011398" cy="2425220"/>
           </a:xfrm>
           <a:prstGeom prst="rect">
             <a:avLst/>
@@ -4230,7 +6479,1118 @@
     </p:spTree>
     <p:extLst>
       <p:ext uri="{BB962C8B-B14F-4D97-AF65-F5344CB8AC3E}">
-        <p14:creationId xmlns:p14="http://schemas.microsoft.com/office/powerpoint/2010/main" val="2433431122"/>
+        <p14:creationId xmlns:p14="http://schemas.microsoft.com/office/powerpoint/2010/main" val="2300749216"/>
+      </p:ext>
+    </p:extLst>
+  </p:cSld>
+  <p:clrMapOvr>
+    <a:masterClrMapping/>
+  </p:clrMapOvr>
+</p:sld>
+</file>
+
+<file path=ppt/slides/slide7.xml><?xml version="1.0" encoding="utf-8"?>
+<p:sld xmlns:a="http://schemas.openxmlformats.org/drawingml/2006/main" xmlns:r="http://schemas.openxmlformats.org/officeDocument/2006/relationships" xmlns:p="http://schemas.openxmlformats.org/presentationml/2006/main">
+  <p:cSld>
+    <p:spTree>
+      <p:nvGrpSpPr>
+        <p:cNvPr id="1" name=""/>
+        <p:cNvGrpSpPr/>
+        <p:nvPr/>
+      </p:nvGrpSpPr>
+      <p:grpSpPr>
+        <a:xfrm>
+          <a:off x="0" y="0"/>
+          <a:ext cx="0" cy="0"/>
+          <a:chOff x="0" y="0"/>
+          <a:chExt cx="0" cy="0"/>
+        </a:xfrm>
+      </p:grpSpPr>
+      <p:sp>
+        <p:nvSpPr>
+          <p:cNvPr id="10" name="TextBox 9">
+            <a:extLst>
+              <a:ext uri="{FF2B5EF4-FFF2-40B4-BE49-F238E27FC236}">
+                <a16:creationId xmlns:a16="http://schemas.microsoft.com/office/drawing/2014/main" id="{A71F367F-A8E8-7354-A8CA-E6F860387AE8}"/>
+              </a:ext>
+            </a:extLst>
+          </p:cNvPr>
+          <p:cNvSpPr txBox="1"/>
+          <p:nvPr/>
+        </p:nvSpPr>
+        <p:spPr>
+          <a:xfrm>
+            <a:off x="2931910" y="0"/>
+            <a:ext cx="6097022" cy="369332"/>
+          </a:xfrm>
+          <a:prstGeom prst="rect">
+            <a:avLst/>
+          </a:prstGeom>
+          <a:noFill/>
+        </p:spPr>
+        <p:txBody>
+          <a:bodyPr wrap="square">
+            <a:spAutoFit/>
+          </a:bodyPr>
+          <a:lstStyle/>
+          <a:p>
+            <a:r>
+              <a:rPr lang="ko-KR" altLang="en-US" dirty="0"/>
+              <a:t>평균방법</a:t>
+            </a:r>
+          </a:p>
+        </p:txBody>
+      </p:sp>
+      <p:pic>
+        <p:nvPicPr>
+          <p:cNvPr id="3" name="그림 2">
+            <a:extLst>
+              <a:ext uri="{FF2B5EF4-FFF2-40B4-BE49-F238E27FC236}">
+                <a16:creationId xmlns:a16="http://schemas.microsoft.com/office/drawing/2014/main" id="{837F7F62-A1E1-2830-1D7F-53286B27F8FC}"/>
+              </a:ext>
+            </a:extLst>
+          </p:cNvPr>
+          <p:cNvPicPr>
+            <a:picLocks noChangeAspect="1"/>
+          </p:cNvPicPr>
+          <p:nvPr/>
+        </p:nvPicPr>
+        <p:blipFill>
+          <a:blip r:embed="rId2"/>
+          <a:stretch>
+            <a:fillRect/>
+          </a:stretch>
+        </p:blipFill>
+        <p:spPr>
+          <a:xfrm>
+            <a:off x="84604" y="932810"/>
+            <a:ext cx="6010300" cy="2395267"/>
+          </a:xfrm>
+          <a:prstGeom prst="rect">
+            <a:avLst/>
+          </a:prstGeom>
+        </p:spPr>
+      </p:pic>
+      <p:pic>
+        <p:nvPicPr>
+          <p:cNvPr id="6" name="그림 5">
+            <a:extLst>
+              <a:ext uri="{FF2B5EF4-FFF2-40B4-BE49-F238E27FC236}">
+                <a16:creationId xmlns:a16="http://schemas.microsoft.com/office/drawing/2014/main" id="{7A8BB1E0-9327-E685-BEFF-4591C2985A02}"/>
+              </a:ext>
+            </a:extLst>
+          </p:cNvPr>
+          <p:cNvPicPr>
+            <a:picLocks noChangeAspect="1"/>
+          </p:cNvPicPr>
+          <p:nvPr/>
+        </p:nvPicPr>
+        <p:blipFill>
+          <a:blip r:embed="rId3"/>
+          <a:stretch>
+            <a:fillRect/>
+          </a:stretch>
+        </p:blipFill>
+        <p:spPr>
+          <a:xfrm>
+            <a:off x="84604" y="3328077"/>
+            <a:ext cx="6010300" cy="2407049"/>
+          </a:xfrm>
+          <a:prstGeom prst="rect">
+            <a:avLst/>
+          </a:prstGeom>
+        </p:spPr>
+      </p:pic>
+      <p:pic>
+        <p:nvPicPr>
+          <p:cNvPr id="8" name="그림 7">
+            <a:extLst>
+              <a:ext uri="{FF2B5EF4-FFF2-40B4-BE49-F238E27FC236}">
+                <a16:creationId xmlns:a16="http://schemas.microsoft.com/office/drawing/2014/main" id="{1EDB2BC1-2A21-368D-8075-6D9AD4986678}"/>
+              </a:ext>
+            </a:extLst>
+          </p:cNvPr>
+          <p:cNvPicPr>
+            <a:picLocks noChangeAspect="1"/>
+          </p:cNvPicPr>
+          <p:nvPr/>
+        </p:nvPicPr>
+        <p:blipFill>
+          <a:blip r:embed="rId4"/>
+          <a:stretch>
+            <a:fillRect/>
+          </a:stretch>
+        </p:blipFill>
+        <p:spPr>
+          <a:xfrm>
+            <a:off x="6280695" y="1823880"/>
+            <a:ext cx="330217" cy="311166"/>
+          </a:xfrm>
+          <a:prstGeom prst="rect">
+            <a:avLst/>
+          </a:prstGeom>
+        </p:spPr>
+      </p:pic>
+      <p:pic>
+        <p:nvPicPr>
+          <p:cNvPr id="12" name="그림 11">
+            <a:extLst>
+              <a:ext uri="{FF2B5EF4-FFF2-40B4-BE49-F238E27FC236}">
+                <a16:creationId xmlns:a16="http://schemas.microsoft.com/office/drawing/2014/main" id="{CF5E2DD1-DC2C-6397-AB7B-52CB21AF3459}"/>
+              </a:ext>
+            </a:extLst>
+          </p:cNvPr>
+          <p:cNvPicPr>
+            <a:picLocks noChangeAspect="1"/>
+          </p:cNvPicPr>
+          <p:nvPr/>
+        </p:nvPicPr>
+        <p:blipFill>
+          <a:blip r:embed="rId5"/>
+          <a:stretch>
+            <a:fillRect/>
+          </a:stretch>
+        </p:blipFill>
+        <p:spPr>
+          <a:xfrm>
+            <a:off x="6324720" y="2197349"/>
+            <a:ext cx="266714" cy="254013"/>
+          </a:xfrm>
+          <a:prstGeom prst="rect">
+            <a:avLst/>
+          </a:prstGeom>
+        </p:spPr>
+      </p:pic>
+      <p:pic>
+        <p:nvPicPr>
+          <p:cNvPr id="14" name="그림 13">
+            <a:extLst>
+              <a:ext uri="{FF2B5EF4-FFF2-40B4-BE49-F238E27FC236}">
+                <a16:creationId xmlns:a16="http://schemas.microsoft.com/office/drawing/2014/main" id="{0C5352AE-3CC8-2416-84FF-1ED1EEFFB37B}"/>
+              </a:ext>
+            </a:extLst>
+          </p:cNvPr>
+          <p:cNvPicPr>
+            <a:picLocks noChangeAspect="1"/>
+          </p:cNvPicPr>
+          <p:nvPr/>
+        </p:nvPicPr>
+        <p:blipFill>
+          <a:blip r:embed="rId6"/>
+          <a:stretch>
+            <a:fillRect/>
+          </a:stretch>
+        </p:blipFill>
+        <p:spPr>
+          <a:xfrm>
+            <a:off x="6312446" y="2499857"/>
+            <a:ext cx="292115" cy="273064"/>
+          </a:xfrm>
+          <a:prstGeom prst="rect">
+            <a:avLst/>
+          </a:prstGeom>
+        </p:spPr>
+      </p:pic>
+      <p:sp>
+        <p:nvSpPr>
+          <p:cNvPr id="16" name="TextBox 15">
+            <a:extLst>
+              <a:ext uri="{FF2B5EF4-FFF2-40B4-BE49-F238E27FC236}">
+                <a16:creationId xmlns:a16="http://schemas.microsoft.com/office/drawing/2014/main" id="{43B0EF67-8CB1-8549-C864-1CCB002E92B2}"/>
+              </a:ext>
+            </a:extLst>
+          </p:cNvPr>
+          <p:cNvSpPr txBox="1"/>
+          <p:nvPr/>
+        </p:nvSpPr>
+        <p:spPr>
+          <a:xfrm>
+            <a:off x="6591434" y="1795798"/>
+            <a:ext cx="1550424" cy="369332"/>
+          </a:xfrm>
+          <a:prstGeom prst="rect">
+            <a:avLst/>
+          </a:prstGeom>
+          <a:noFill/>
+        </p:spPr>
+        <p:txBody>
+          <a:bodyPr wrap="none" rtlCol="0">
+            <a:spAutoFit/>
+          </a:bodyPr>
+          <a:lstStyle/>
+          <a:p>
+            <a:r>
+              <a:rPr lang="en-US" altLang="ko-KR" dirty="0">
+                <a:latin typeface="Times New Roman" panose="02020603050405020304" pitchFamily="18" charset="0"/>
+                <a:cs typeface="Times New Roman" panose="02020603050405020304" pitchFamily="18" charset="0"/>
+              </a:rPr>
+              <a:t>Macro Metrics</a:t>
+            </a:r>
+          </a:p>
+        </p:txBody>
+      </p:sp>
+      <p:sp>
+        <p:nvSpPr>
+          <p:cNvPr id="17" name="TextBox 16">
+            <a:extLst>
+              <a:ext uri="{FF2B5EF4-FFF2-40B4-BE49-F238E27FC236}">
+                <a16:creationId xmlns:a16="http://schemas.microsoft.com/office/drawing/2014/main" id="{F55439C5-6B93-0495-E746-A5859533F5A4}"/>
+              </a:ext>
+            </a:extLst>
+          </p:cNvPr>
+          <p:cNvSpPr txBox="1"/>
+          <p:nvPr/>
+        </p:nvSpPr>
+        <p:spPr>
+          <a:xfrm>
+            <a:off x="6591434" y="2100441"/>
+            <a:ext cx="1511952" cy="369332"/>
+          </a:xfrm>
+          <a:prstGeom prst="rect">
+            <a:avLst/>
+          </a:prstGeom>
+          <a:noFill/>
+        </p:spPr>
+        <p:txBody>
+          <a:bodyPr wrap="none" rtlCol="0">
+            <a:spAutoFit/>
+          </a:bodyPr>
+          <a:lstStyle/>
+          <a:p>
+            <a:r>
+              <a:rPr lang="en-US" altLang="ko-KR" dirty="0">
+                <a:latin typeface="Times New Roman" panose="02020603050405020304" pitchFamily="18" charset="0"/>
+                <a:cs typeface="Times New Roman" panose="02020603050405020304" pitchFamily="18" charset="0"/>
+              </a:rPr>
+              <a:t>Micro Metrics</a:t>
+            </a:r>
+          </a:p>
+        </p:txBody>
+      </p:sp>
+      <p:sp>
+        <p:nvSpPr>
+          <p:cNvPr id="18" name="TextBox 17">
+            <a:extLst>
+              <a:ext uri="{FF2B5EF4-FFF2-40B4-BE49-F238E27FC236}">
+                <a16:creationId xmlns:a16="http://schemas.microsoft.com/office/drawing/2014/main" id="{D624BEDB-F92F-5D08-1536-0CFE41A35B43}"/>
+              </a:ext>
+            </a:extLst>
+          </p:cNvPr>
+          <p:cNvSpPr txBox="1"/>
+          <p:nvPr/>
+        </p:nvSpPr>
+        <p:spPr>
+          <a:xfrm>
+            <a:off x="6591434" y="2469773"/>
+            <a:ext cx="1826910" cy="369332"/>
+          </a:xfrm>
+          <a:prstGeom prst="rect">
+            <a:avLst/>
+          </a:prstGeom>
+          <a:noFill/>
+        </p:spPr>
+        <p:txBody>
+          <a:bodyPr wrap="none" rtlCol="0">
+            <a:spAutoFit/>
+          </a:bodyPr>
+          <a:lstStyle/>
+          <a:p>
+            <a:r>
+              <a:rPr lang="en-US" altLang="ko-KR" dirty="0">
+                <a:latin typeface="Times New Roman" panose="02020603050405020304" pitchFamily="18" charset="0"/>
+                <a:cs typeface="Times New Roman" panose="02020603050405020304" pitchFamily="18" charset="0"/>
+              </a:rPr>
+              <a:t>Weighted Metrics</a:t>
+            </a:r>
+          </a:p>
+        </p:txBody>
+      </p:sp>
+    </p:spTree>
+    <p:extLst>
+      <p:ext uri="{BB962C8B-B14F-4D97-AF65-F5344CB8AC3E}">
+        <p14:creationId xmlns:p14="http://schemas.microsoft.com/office/powerpoint/2010/main" val="3290055434"/>
+      </p:ext>
+    </p:extLst>
+  </p:cSld>
+  <p:clrMapOvr>
+    <a:masterClrMapping/>
+  </p:clrMapOvr>
+</p:sld>
+</file>
+
+<file path=ppt/slides/slide8.xml><?xml version="1.0" encoding="utf-8"?>
+<p:sld xmlns:a="http://schemas.openxmlformats.org/drawingml/2006/main" xmlns:r="http://schemas.openxmlformats.org/officeDocument/2006/relationships" xmlns:p="http://schemas.openxmlformats.org/presentationml/2006/main">
+  <p:cSld>
+    <p:spTree>
+      <p:nvGrpSpPr>
+        <p:cNvPr id="1" name=""/>
+        <p:cNvGrpSpPr/>
+        <p:nvPr/>
+      </p:nvGrpSpPr>
+      <p:grpSpPr>
+        <a:xfrm>
+          <a:off x="0" y="0"/>
+          <a:ext cx="0" cy="0"/>
+          <a:chOff x="0" y="0"/>
+          <a:chExt cx="0" cy="0"/>
+        </a:xfrm>
+      </p:grpSpPr>
+      <p:sp>
+        <p:nvSpPr>
+          <p:cNvPr id="10" name="TextBox 9">
+            <a:extLst>
+              <a:ext uri="{FF2B5EF4-FFF2-40B4-BE49-F238E27FC236}">
+                <a16:creationId xmlns:a16="http://schemas.microsoft.com/office/drawing/2014/main" id="{A71F367F-A8E8-7354-A8CA-E6F860387AE8}"/>
+              </a:ext>
+            </a:extLst>
+          </p:cNvPr>
+          <p:cNvSpPr txBox="1"/>
+          <p:nvPr/>
+        </p:nvSpPr>
+        <p:spPr>
+          <a:xfrm>
+            <a:off x="2931910" y="0"/>
+            <a:ext cx="6097022" cy="369332"/>
+          </a:xfrm>
+          <a:prstGeom prst="rect">
+            <a:avLst/>
+          </a:prstGeom>
+          <a:noFill/>
+        </p:spPr>
+        <p:txBody>
+          <a:bodyPr wrap="square">
+            <a:spAutoFit/>
+          </a:bodyPr>
+          <a:lstStyle/>
+          <a:p>
+            <a:r>
+              <a:rPr lang="en-US" altLang="ko-KR" b="0" i="0" dirty="0">
+                <a:solidFill>
+                  <a:srgbClr val="212121"/>
+                </a:solidFill>
+                <a:effectLst/>
+                <a:highlight>
+                  <a:srgbClr val="FFFFFF"/>
+                </a:highlight>
+                <a:latin typeface="Roboto" panose="020F0502020204030204" pitchFamily="2" charset="0"/>
+              </a:rPr>
+              <a:t>scheduler</a:t>
+            </a:r>
+            <a:endParaRPr lang="ko-KR" altLang="en-US" dirty="0"/>
+          </a:p>
+        </p:txBody>
+      </p:sp>
+      <p:pic>
+        <p:nvPicPr>
+          <p:cNvPr id="4" name="그림 3">
+            <a:extLst>
+              <a:ext uri="{FF2B5EF4-FFF2-40B4-BE49-F238E27FC236}">
+                <a16:creationId xmlns:a16="http://schemas.microsoft.com/office/drawing/2014/main" id="{DAFA0502-8C30-1D0B-F42C-718A9283C730}"/>
+              </a:ext>
+            </a:extLst>
+          </p:cNvPr>
+          <p:cNvPicPr>
+            <a:picLocks noChangeAspect="1"/>
+          </p:cNvPicPr>
+          <p:nvPr/>
+        </p:nvPicPr>
+        <p:blipFill>
+          <a:blip r:embed="rId2"/>
+          <a:stretch>
+            <a:fillRect/>
+          </a:stretch>
+        </p:blipFill>
+        <p:spPr>
+          <a:xfrm>
+            <a:off x="84605" y="988026"/>
+            <a:ext cx="6010300" cy="2363601"/>
+          </a:xfrm>
+          <a:prstGeom prst="rect">
+            <a:avLst/>
+          </a:prstGeom>
+        </p:spPr>
+      </p:pic>
+      <p:pic>
+        <p:nvPicPr>
+          <p:cNvPr id="7" name="그림 6">
+            <a:extLst>
+              <a:ext uri="{FF2B5EF4-FFF2-40B4-BE49-F238E27FC236}">
+                <a16:creationId xmlns:a16="http://schemas.microsoft.com/office/drawing/2014/main" id="{EBE88B1E-483A-05D6-06CB-32752CE2447B}"/>
+              </a:ext>
+            </a:extLst>
+          </p:cNvPr>
+          <p:cNvPicPr>
+            <a:picLocks noChangeAspect="1"/>
+          </p:cNvPicPr>
+          <p:nvPr/>
+        </p:nvPicPr>
+        <p:blipFill>
+          <a:blip r:embed="rId3"/>
+          <a:stretch>
+            <a:fillRect/>
+          </a:stretch>
+        </p:blipFill>
+        <p:spPr>
+          <a:xfrm>
+            <a:off x="84605" y="3363639"/>
+            <a:ext cx="6010300" cy="2375385"/>
+          </a:xfrm>
+          <a:prstGeom prst="rect">
+            <a:avLst/>
+          </a:prstGeom>
+        </p:spPr>
+      </p:pic>
+      <p:pic>
+        <p:nvPicPr>
+          <p:cNvPr id="20" name="그림 19">
+            <a:extLst>
+              <a:ext uri="{FF2B5EF4-FFF2-40B4-BE49-F238E27FC236}">
+                <a16:creationId xmlns:a16="http://schemas.microsoft.com/office/drawing/2014/main" id="{00E850C6-6E39-9717-A621-DEB72350F5AA}"/>
+              </a:ext>
+            </a:extLst>
+          </p:cNvPr>
+          <p:cNvPicPr>
+            <a:picLocks noChangeAspect="1"/>
+          </p:cNvPicPr>
+          <p:nvPr/>
+        </p:nvPicPr>
+        <p:blipFill>
+          <a:blip r:embed="rId4"/>
+          <a:stretch>
+            <a:fillRect/>
+          </a:stretch>
+        </p:blipFill>
+        <p:spPr>
+          <a:xfrm>
+            <a:off x="6148035" y="2354780"/>
+            <a:ext cx="3181514" cy="234962"/>
+          </a:xfrm>
+          <a:prstGeom prst="rect">
+            <a:avLst/>
+          </a:prstGeom>
+        </p:spPr>
+      </p:pic>
+      <p:pic>
+        <p:nvPicPr>
+          <p:cNvPr id="22" name="그림 21">
+            <a:extLst>
+              <a:ext uri="{FF2B5EF4-FFF2-40B4-BE49-F238E27FC236}">
+                <a16:creationId xmlns:a16="http://schemas.microsoft.com/office/drawing/2014/main" id="{16FF59B5-5B80-B7AC-85DD-4079E3EB8594}"/>
+              </a:ext>
+            </a:extLst>
+          </p:cNvPr>
+          <p:cNvPicPr>
+            <a:picLocks noChangeAspect="1"/>
+          </p:cNvPicPr>
+          <p:nvPr/>
+        </p:nvPicPr>
+        <p:blipFill>
+          <a:blip r:embed="rId5"/>
+          <a:stretch>
+            <a:fillRect/>
+          </a:stretch>
+        </p:blipFill>
+        <p:spPr>
+          <a:xfrm>
+            <a:off x="6093061" y="2595879"/>
+            <a:ext cx="3181514" cy="221209"/>
+          </a:xfrm>
+          <a:prstGeom prst="rect">
+            <a:avLst/>
+          </a:prstGeom>
+        </p:spPr>
+      </p:pic>
+      <p:pic>
+        <p:nvPicPr>
+          <p:cNvPr id="24" name="그림 23">
+            <a:extLst>
+              <a:ext uri="{FF2B5EF4-FFF2-40B4-BE49-F238E27FC236}">
+                <a16:creationId xmlns:a16="http://schemas.microsoft.com/office/drawing/2014/main" id="{8B5CBD06-5D3F-C02B-05EF-F6E4A412421C}"/>
+              </a:ext>
+            </a:extLst>
+          </p:cNvPr>
+          <p:cNvPicPr>
+            <a:picLocks noChangeAspect="1"/>
+          </p:cNvPicPr>
+          <p:nvPr/>
+        </p:nvPicPr>
+        <p:blipFill>
+          <a:blip r:embed="rId6"/>
+          <a:stretch>
+            <a:fillRect/>
+          </a:stretch>
+        </p:blipFill>
+        <p:spPr>
+          <a:xfrm>
+            <a:off x="6093062" y="2888609"/>
+            <a:ext cx="3314826" cy="651633"/>
+          </a:xfrm>
+          <a:prstGeom prst="rect">
+            <a:avLst/>
+          </a:prstGeom>
+        </p:spPr>
+      </p:pic>
+      <p:sp>
+        <p:nvSpPr>
+          <p:cNvPr id="25" name="직사각형 24">
+            <a:extLst>
+              <a:ext uri="{FF2B5EF4-FFF2-40B4-BE49-F238E27FC236}">
+                <a16:creationId xmlns:a16="http://schemas.microsoft.com/office/drawing/2014/main" id="{F423EA62-6F69-C4AB-90AE-8EF18B1A943A}"/>
+              </a:ext>
+            </a:extLst>
+          </p:cNvPr>
+          <p:cNvSpPr/>
+          <p:nvPr/>
+        </p:nvSpPr>
+        <p:spPr>
+          <a:xfrm>
+            <a:off x="5093638" y="4864493"/>
+            <a:ext cx="693472" cy="456211"/>
+          </a:xfrm>
+          <a:prstGeom prst="rect">
+            <a:avLst/>
+          </a:prstGeom>
+          <a:noFill/>
+          <a:ln>
+            <a:solidFill>
+              <a:srgbClr val="FF0000"/>
+            </a:solidFill>
+          </a:ln>
+        </p:spPr>
+        <p:style>
+          <a:lnRef idx="2">
+            <a:schemeClr val="accent1">
+              <a:shade val="15000"/>
+            </a:schemeClr>
+          </a:lnRef>
+          <a:fillRef idx="1">
+            <a:schemeClr val="accent1"/>
+          </a:fillRef>
+          <a:effectRef idx="0">
+            <a:schemeClr val="accent1"/>
+          </a:effectRef>
+          <a:fontRef idx="minor">
+            <a:schemeClr val="lt1"/>
+          </a:fontRef>
+        </p:style>
+        <p:txBody>
+          <a:bodyPr rtlCol="0" anchor="ctr"/>
+          <a:lstStyle/>
+          <a:p>
+            <a:pPr algn="ctr"/>
+            <a:endParaRPr lang="ko-KR" altLang="en-US"/>
+          </a:p>
+        </p:txBody>
+      </p:sp>
+      <p:cxnSp>
+        <p:nvCxnSpPr>
+          <p:cNvPr id="26" name="직선 화살표 연결선 25">
+            <a:extLst>
+              <a:ext uri="{FF2B5EF4-FFF2-40B4-BE49-F238E27FC236}">
+                <a16:creationId xmlns:a16="http://schemas.microsoft.com/office/drawing/2014/main" id="{15FD0AF8-3EE3-25EF-2728-1A30690C4389}"/>
+              </a:ext>
+            </a:extLst>
+          </p:cNvPr>
+          <p:cNvCxnSpPr/>
+          <p:nvPr/>
+        </p:nvCxnSpPr>
+        <p:spPr>
+          <a:xfrm>
+            <a:off x="5842341" y="5157515"/>
+            <a:ext cx="441858" cy="120230"/>
+          </a:xfrm>
+          <a:prstGeom prst="straightConnector1">
+            <a:avLst/>
+          </a:prstGeom>
+          <a:ln>
+            <a:solidFill>
+              <a:srgbClr val="FF0000"/>
+            </a:solidFill>
+            <a:tailEnd type="triangle"/>
+          </a:ln>
+        </p:spPr>
+        <p:style>
+          <a:lnRef idx="2">
+            <a:schemeClr val="accent1"/>
+          </a:lnRef>
+          <a:fillRef idx="0">
+            <a:schemeClr val="accent1"/>
+          </a:fillRef>
+          <a:effectRef idx="1">
+            <a:schemeClr val="accent1"/>
+          </a:effectRef>
+          <a:fontRef idx="minor">
+            <a:schemeClr val="tx1"/>
+          </a:fontRef>
+        </p:style>
+      </p:cxnSp>
+      <p:pic>
+        <p:nvPicPr>
+          <p:cNvPr id="28" name="그림 27">
+            <a:extLst>
+              <a:ext uri="{FF2B5EF4-FFF2-40B4-BE49-F238E27FC236}">
+                <a16:creationId xmlns:a16="http://schemas.microsoft.com/office/drawing/2014/main" id="{57C964D4-2C85-16DC-6D06-012B73F1A0ED}"/>
+              </a:ext>
+            </a:extLst>
+          </p:cNvPr>
+          <p:cNvPicPr>
+            <a:picLocks noChangeAspect="1"/>
+          </p:cNvPicPr>
+          <p:nvPr/>
+        </p:nvPicPr>
+        <p:blipFill>
+          <a:blip r:embed="rId7"/>
+          <a:stretch>
+            <a:fillRect/>
+          </a:stretch>
+        </p:blipFill>
+        <p:spPr>
+          <a:xfrm>
+            <a:off x="6390206" y="4604953"/>
+            <a:ext cx="2019443" cy="1134071"/>
+          </a:xfrm>
+          <a:prstGeom prst="rect">
+            <a:avLst/>
+          </a:prstGeom>
+        </p:spPr>
+      </p:pic>
+    </p:spTree>
+    <p:extLst>
+      <p:ext uri="{BB962C8B-B14F-4D97-AF65-F5344CB8AC3E}">
+        <p14:creationId xmlns:p14="http://schemas.microsoft.com/office/powerpoint/2010/main" val="47827784"/>
+      </p:ext>
+    </p:extLst>
+  </p:cSld>
+  <p:clrMapOvr>
+    <a:masterClrMapping/>
+  </p:clrMapOvr>
+</p:sld>
+</file>
+
+<file path=ppt/slides/slide9.xml><?xml version="1.0" encoding="utf-8"?>
+<p:sld xmlns:a="http://schemas.openxmlformats.org/drawingml/2006/main" xmlns:r="http://schemas.openxmlformats.org/officeDocument/2006/relationships" xmlns:p="http://schemas.openxmlformats.org/presentationml/2006/main">
+  <p:cSld>
+    <p:spTree>
+      <p:nvGrpSpPr>
+        <p:cNvPr id="1" name=""/>
+        <p:cNvGrpSpPr/>
+        <p:nvPr/>
+      </p:nvGrpSpPr>
+      <p:grpSpPr>
+        <a:xfrm>
+          <a:off x="0" y="0"/>
+          <a:ext cx="0" cy="0"/>
+          <a:chOff x="0" y="0"/>
+          <a:chExt cx="0" cy="0"/>
+        </a:xfrm>
+      </p:grpSpPr>
+      <p:pic>
+        <p:nvPicPr>
+          <p:cNvPr id="6" name="그림 5">
+            <a:extLst>
+              <a:ext uri="{FF2B5EF4-FFF2-40B4-BE49-F238E27FC236}">
+                <a16:creationId xmlns:a16="http://schemas.microsoft.com/office/drawing/2014/main" id="{0C29EE97-C393-5390-20C4-EE20E1AA74F9}"/>
+              </a:ext>
+            </a:extLst>
+          </p:cNvPr>
+          <p:cNvPicPr>
+            <a:picLocks noChangeAspect="1"/>
+          </p:cNvPicPr>
+          <p:nvPr/>
+        </p:nvPicPr>
+        <p:blipFill>
+          <a:blip r:embed="rId2"/>
+          <a:stretch>
+            <a:fillRect/>
+          </a:stretch>
+        </p:blipFill>
+        <p:spPr>
+          <a:xfrm>
+            <a:off x="80298" y="3367339"/>
+            <a:ext cx="6008456" cy="2441246"/>
+          </a:xfrm>
+          <a:prstGeom prst="rect">
+            <a:avLst/>
+          </a:prstGeom>
+        </p:spPr>
+      </p:pic>
+      <p:sp>
+        <p:nvSpPr>
+          <p:cNvPr id="10" name="TextBox 9">
+            <a:extLst>
+              <a:ext uri="{FF2B5EF4-FFF2-40B4-BE49-F238E27FC236}">
+                <a16:creationId xmlns:a16="http://schemas.microsoft.com/office/drawing/2014/main" id="{A71F367F-A8E8-7354-A8CA-E6F860387AE8}"/>
+              </a:ext>
+            </a:extLst>
+          </p:cNvPr>
+          <p:cNvSpPr txBox="1"/>
+          <p:nvPr/>
+        </p:nvSpPr>
+        <p:spPr>
+          <a:xfrm>
+            <a:off x="2931910" y="0"/>
+            <a:ext cx="6097022" cy="369332"/>
+          </a:xfrm>
+          <a:prstGeom prst="rect">
+            <a:avLst/>
+          </a:prstGeom>
+          <a:noFill/>
+        </p:spPr>
+        <p:txBody>
+          <a:bodyPr wrap="square">
+            <a:spAutoFit/>
+          </a:bodyPr>
+          <a:lstStyle/>
+          <a:p>
+            <a:r>
+              <a:rPr lang="en-US" altLang="ko-KR" b="0" i="0" dirty="0">
+                <a:solidFill>
+                  <a:srgbClr val="212121"/>
+                </a:solidFill>
+                <a:effectLst/>
+                <a:highlight>
+                  <a:srgbClr val="FFFFFF"/>
+                </a:highlight>
+                <a:latin typeface="Roboto" panose="020F0502020204030204" pitchFamily="2" charset="0"/>
+              </a:rPr>
+              <a:t>Adam vs momentum</a:t>
+            </a:r>
+            <a:endParaRPr lang="ko-KR" altLang="en-US" dirty="0"/>
+          </a:p>
+        </p:txBody>
+      </p:sp>
+      <p:sp>
+        <p:nvSpPr>
+          <p:cNvPr id="25" name="직사각형 24">
+            <a:extLst>
+              <a:ext uri="{FF2B5EF4-FFF2-40B4-BE49-F238E27FC236}">
+                <a16:creationId xmlns:a16="http://schemas.microsoft.com/office/drawing/2014/main" id="{F423EA62-6F69-C4AB-90AE-8EF18B1A943A}"/>
+              </a:ext>
+            </a:extLst>
+          </p:cNvPr>
+          <p:cNvSpPr/>
+          <p:nvPr/>
+        </p:nvSpPr>
+        <p:spPr>
+          <a:xfrm>
+            <a:off x="5093638" y="4864493"/>
+            <a:ext cx="693472" cy="456211"/>
+          </a:xfrm>
+          <a:prstGeom prst="rect">
+            <a:avLst/>
+          </a:prstGeom>
+          <a:noFill/>
+          <a:ln>
+            <a:solidFill>
+              <a:srgbClr val="FF0000"/>
+            </a:solidFill>
+          </a:ln>
+        </p:spPr>
+        <p:style>
+          <a:lnRef idx="2">
+            <a:schemeClr val="accent1">
+              <a:shade val="15000"/>
+            </a:schemeClr>
+          </a:lnRef>
+          <a:fillRef idx="1">
+            <a:schemeClr val="accent1"/>
+          </a:fillRef>
+          <a:effectRef idx="0">
+            <a:schemeClr val="accent1"/>
+          </a:effectRef>
+          <a:fontRef idx="minor">
+            <a:schemeClr val="lt1"/>
+          </a:fontRef>
+        </p:style>
+        <p:txBody>
+          <a:bodyPr rtlCol="0" anchor="ctr"/>
+          <a:lstStyle/>
+          <a:p>
+            <a:pPr algn="ctr"/>
+            <a:endParaRPr lang="ko-KR" altLang="en-US"/>
+          </a:p>
+        </p:txBody>
+      </p:sp>
+      <p:cxnSp>
+        <p:nvCxnSpPr>
+          <p:cNvPr id="26" name="직선 화살표 연결선 25">
+            <a:extLst>
+              <a:ext uri="{FF2B5EF4-FFF2-40B4-BE49-F238E27FC236}">
+                <a16:creationId xmlns:a16="http://schemas.microsoft.com/office/drawing/2014/main" id="{15FD0AF8-3EE3-25EF-2728-1A30690C4389}"/>
+              </a:ext>
+            </a:extLst>
+          </p:cNvPr>
+          <p:cNvCxnSpPr/>
+          <p:nvPr/>
+        </p:nvCxnSpPr>
+        <p:spPr>
+          <a:xfrm>
+            <a:off x="5842341" y="5157515"/>
+            <a:ext cx="441858" cy="120230"/>
+          </a:xfrm>
+          <a:prstGeom prst="straightConnector1">
+            <a:avLst/>
+          </a:prstGeom>
+          <a:ln>
+            <a:solidFill>
+              <a:srgbClr val="FF0000"/>
+            </a:solidFill>
+            <a:tailEnd type="triangle"/>
+          </a:ln>
+        </p:spPr>
+        <p:style>
+          <a:lnRef idx="2">
+            <a:schemeClr val="accent1"/>
+          </a:lnRef>
+          <a:fillRef idx="0">
+            <a:schemeClr val="accent1"/>
+          </a:fillRef>
+          <a:effectRef idx="1">
+            <a:schemeClr val="accent1"/>
+          </a:effectRef>
+          <a:fontRef idx="minor">
+            <a:schemeClr val="tx1"/>
+          </a:fontRef>
+        </p:style>
+      </p:cxnSp>
+      <p:pic>
+        <p:nvPicPr>
+          <p:cNvPr id="3" name="그림 2">
+            <a:extLst>
+              <a:ext uri="{FF2B5EF4-FFF2-40B4-BE49-F238E27FC236}">
+                <a16:creationId xmlns:a16="http://schemas.microsoft.com/office/drawing/2014/main" id="{DF9FBAEC-A3A3-F6B8-08AD-27EAF173D98D}"/>
+              </a:ext>
+            </a:extLst>
+          </p:cNvPr>
+          <p:cNvPicPr>
+            <a:picLocks noChangeAspect="1"/>
+          </p:cNvPicPr>
+          <p:nvPr/>
+        </p:nvPicPr>
+        <p:blipFill>
+          <a:blip r:embed="rId3"/>
+          <a:stretch>
+            <a:fillRect/>
+          </a:stretch>
+        </p:blipFill>
+        <p:spPr>
+          <a:xfrm>
+            <a:off x="84606" y="899669"/>
+            <a:ext cx="6008456" cy="2467670"/>
+          </a:xfrm>
+          <a:prstGeom prst="rect">
+            <a:avLst/>
+          </a:prstGeom>
+        </p:spPr>
+      </p:pic>
+      <p:pic>
+        <p:nvPicPr>
+          <p:cNvPr id="9" name="그림 8">
+            <a:extLst>
+              <a:ext uri="{FF2B5EF4-FFF2-40B4-BE49-F238E27FC236}">
+                <a16:creationId xmlns:a16="http://schemas.microsoft.com/office/drawing/2014/main" id="{0483D975-6999-01D1-C3D7-75EA5D0DF226}"/>
+              </a:ext>
+            </a:extLst>
+          </p:cNvPr>
+          <p:cNvPicPr>
+            <a:picLocks noChangeAspect="1"/>
+          </p:cNvPicPr>
+          <p:nvPr/>
+        </p:nvPicPr>
+        <p:blipFill>
+          <a:blip r:embed="rId4"/>
+          <a:stretch>
+            <a:fillRect/>
+          </a:stretch>
+        </p:blipFill>
+        <p:spPr>
+          <a:xfrm>
+            <a:off x="6339430" y="4719129"/>
+            <a:ext cx="2400423" cy="997001"/>
+          </a:xfrm>
+          <a:prstGeom prst="rect">
+            <a:avLst/>
+          </a:prstGeom>
+        </p:spPr>
+      </p:pic>
+      <p:pic>
+        <p:nvPicPr>
+          <p:cNvPr id="12" name="그림 11">
+            <a:extLst>
+              <a:ext uri="{FF2B5EF4-FFF2-40B4-BE49-F238E27FC236}">
+                <a16:creationId xmlns:a16="http://schemas.microsoft.com/office/drawing/2014/main" id="{19BDE07C-FFA9-7C4F-4A95-09E309E962B3}"/>
+              </a:ext>
+            </a:extLst>
+          </p:cNvPr>
+          <p:cNvPicPr>
+            <a:picLocks noChangeAspect="1"/>
+          </p:cNvPicPr>
+          <p:nvPr/>
+        </p:nvPicPr>
+        <p:blipFill>
+          <a:blip r:embed="rId5"/>
+          <a:stretch>
+            <a:fillRect/>
+          </a:stretch>
+        </p:blipFill>
+        <p:spPr>
+          <a:xfrm>
+            <a:off x="6148920" y="2693798"/>
+            <a:ext cx="381020" cy="292115"/>
+          </a:xfrm>
+          <a:prstGeom prst="rect">
+            <a:avLst/>
+          </a:prstGeom>
+        </p:spPr>
+      </p:pic>
+      <p:pic>
+        <p:nvPicPr>
+          <p:cNvPr id="14" name="그림 13">
+            <a:extLst>
+              <a:ext uri="{FF2B5EF4-FFF2-40B4-BE49-F238E27FC236}">
+                <a16:creationId xmlns:a16="http://schemas.microsoft.com/office/drawing/2014/main" id="{5B4F6602-6317-BA5C-CE10-98A9073F3083}"/>
+              </a:ext>
+            </a:extLst>
+          </p:cNvPr>
+          <p:cNvPicPr>
+            <a:picLocks noChangeAspect="1"/>
+          </p:cNvPicPr>
+          <p:nvPr/>
+        </p:nvPicPr>
+        <p:blipFill>
+          <a:blip r:embed="rId6"/>
+          <a:stretch>
+            <a:fillRect/>
+          </a:stretch>
+        </p:blipFill>
+        <p:spPr>
+          <a:xfrm>
+            <a:off x="6162047" y="3033435"/>
+            <a:ext cx="330217" cy="692186"/>
+          </a:xfrm>
+          <a:prstGeom prst="rect">
+            <a:avLst/>
+          </a:prstGeom>
+        </p:spPr>
+      </p:pic>
+      <p:sp>
+        <p:nvSpPr>
+          <p:cNvPr id="15" name="TextBox 14">
+            <a:extLst>
+              <a:ext uri="{FF2B5EF4-FFF2-40B4-BE49-F238E27FC236}">
+                <a16:creationId xmlns:a16="http://schemas.microsoft.com/office/drawing/2014/main" id="{1C0336F6-5AB2-FDB9-0EFF-55457DF55B96}"/>
+              </a:ext>
+            </a:extLst>
+          </p:cNvPr>
+          <p:cNvSpPr txBox="1"/>
+          <p:nvPr/>
+        </p:nvSpPr>
+        <p:spPr>
+          <a:xfrm>
+            <a:off x="6529940" y="2669167"/>
+            <a:ext cx="748923" cy="369332"/>
+          </a:xfrm>
+          <a:prstGeom prst="rect">
+            <a:avLst/>
+          </a:prstGeom>
+          <a:noFill/>
+        </p:spPr>
+        <p:txBody>
+          <a:bodyPr wrap="none" rtlCol="0">
+            <a:spAutoFit/>
+          </a:bodyPr>
+          <a:lstStyle/>
+          <a:p>
+            <a:r>
+              <a:rPr lang="en-US" altLang="ko-KR" dirty="0">
+                <a:latin typeface="Times New Roman" panose="02020603050405020304" pitchFamily="18" charset="0"/>
+                <a:cs typeface="Times New Roman" panose="02020603050405020304" pitchFamily="18" charset="0"/>
+              </a:rPr>
+              <a:t>Adam</a:t>
+            </a:r>
+          </a:p>
+        </p:txBody>
+      </p:sp>
+      <p:sp>
+        <p:nvSpPr>
+          <p:cNvPr id="16" name="TextBox 15">
+            <a:extLst>
+              <a:ext uri="{FF2B5EF4-FFF2-40B4-BE49-F238E27FC236}">
+                <a16:creationId xmlns:a16="http://schemas.microsoft.com/office/drawing/2014/main" id="{F7117044-3B90-527A-9E7D-848403605D21}"/>
+              </a:ext>
+            </a:extLst>
+          </p:cNvPr>
+          <p:cNvSpPr txBox="1"/>
+          <p:nvPr/>
+        </p:nvSpPr>
+        <p:spPr>
+          <a:xfrm>
+            <a:off x="6529940" y="2973810"/>
+            <a:ext cx="1608133" cy="369332"/>
+          </a:xfrm>
+          <a:prstGeom prst="rect">
+            <a:avLst/>
+          </a:prstGeom>
+          <a:noFill/>
+        </p:spPr>
+        <p:txBody>
+          <a:bodyPr wrap="none" rtlCol="0">
+            <a:spAutoFit/>
+          </a:bodyPr>
+          <a:lstStyle/>
+          <a:p>
+            <a:r>
+              <a:rPr lang="en-US" altLang="ko-KR" dirty="0">
+                <a:latin typeface="Times New Roman" panose="02020603050405020304" pitchFamily="18" charset="0"/>
+                <a:cs typeface="Times New Roman" panose="02020603050405020304" pitchFamily="18" charset="0"/>
+              </a:rPr>
+              <a:t>Momentum 0.9</a:t>
+            </a:r>
+          </a:p>
+        </p:txBody>
+      </p:sp>
+      <p:sp>
+        <p:nvSpPr>
+          <p:cNvPr id="17" name="TextBox 16">
+            <a:extLst>
+              <a:ext uri="{FF2B5EF4-FFF2-40B4-BE49-F238E27FC236}">
+                <a16:creationId xmlns:a16="http://schemas.microsoft.com/office/drawing/2014/main" id="{5E7EF541-670D-3D04-6B0C-5E322952A88B}"/>
+              </a:ext>
+            </a:extLst>
+          </p:cNvPr>
+          <p:cNvSpPr txBox="1"/>
+          <p:nvPr/>
+        </p:nvSpPr>
+        <p:spPr>
+          <a:xfrm>
+            <a:off x="6529940" y="3355416"/>
+            <a:ext cx="1608133" cy="369332"/>
+          </a:xfrm>
+          <a:prstGeom prst="rect">
+            <a:avLst/>
+          </a:prstGeom>
+          <a:noFill/>
+        </p:spPr>
+        <p:txBody>
+          <a:bodyPr wrap="none" rtlCol="0">
+            <a:spAutoFit/>
+          </a:bodyPr>
+          <a:lstStyle/>
+          <a:p>
+            <a:r>
+              <a:rPr lang="en-US" altLang="ko-KR" dirty="0">
+                <a:latin typeface="Times New Roman" panose="02020603050405020304" pitchFamily="18" charset="0"/>
+                <a:cs typeface="Times New Roman" panose="02020603050405020304" pitchFamily="18" charset="0"/>
+              </a:rPr>
+              <a:t>Momentum 0.8</a:t>
+            </a:r>
+          </a:p>
+        </p:txBody>
+      </p:sp>
+    </p:spTree>
+    <p:extLst>
+      <p:ext uri="{BB962C8B-B14F-4D97-AF65-F5344CB8AC3E}">
+        <p14:creationId xmlns:p14="http://schemas.microsoft.com/office/powerpoint/2010/main" val="2461070507"/>
       </p:ext>
     </p:extLst>
   </p:cSld>
@@ -4553,4 +7913,319 @@
     </a:ext>
   </a:extLst>
 </a:theme>
+</file>
+
+<file path=ppt/theme/theme2.xml><?xml version="1.0" encoding="utf-8"?>
+<a:theme xmlns:a="http://schemas.openxmlformats.org/drawingml/2006/main" name="Office 테마">
+  <a:themeElements>
+    <a:clrScheme name="Office">
+      <a:dk1>
+        <a:sysClr val="windowText" lastClr="000000"/>
+      </a:dk1>
+      <a:lt1>
+        <a:sysClr val="window" lastClr="FFFFFF"/>
+      </a:lt1>
+      <a:dk2>
+        <a:srgbClr val="0E2841"/>
+      </a:dk2>
+      <a:lt2>
+        <a:srgbClr val="E8E8E8"/>
+      </a:lt2>
+      <a:accent1>
+        <a:srgbClr val="156082"/>
+      </a:accent1>
+      <a:accent2>
+        <a:srgbClr val="E97132"/>
+      </a:accent2>
+      <a:accent3>
+        <a:srgbClr val="196B24"/>
+      </a:accent3>
+      <a:accent4>
+        <a:srgbClr val="0F9ED5"/>
+      </a:accent4>
+      <a:accent5>
+        <a:srgbClr val="A02B93"/>
+      </a:accent5>
+      <a:accent6>
+        <a:srgbClr val="4EA72E"/>
+      </a:accent6>
+      <a:hlink>
+        <a:srgbClr val="467886"/>
+      </a:hlink>
+      <a:folHlink>
+        <a:srgbClr val="96607D"/>
+      </a:folHlink>
+    </a:clrScheme>
+    <a:fontScheme name="Office">
+      <a:majorFont>
+        <a:latin typeface="맑은 고딕" panose="02110004020202020204"/>
+        <a:ea typeface=""/>
+        <a:cs typeface=""/>
+        <a:font script="Jpan" typeface="游ゴシック Light"/>
+        <a:font script="Hang" typeface="맑은 고딕"/>
+        <a:font script="Hans" typeface="等线 Light"/>
+        <a:font script="Hant" typeface="新細明體"/>
+        <a:font script="Arab" typeface="Times New Roman"/>
+        <a:font script="Hebr" typeface="Times New Roman"/>
+        <a:font script="Thai" typeface="Angsana New"/>
+        <a:font script="Ethi" typeface="Nyala"/>
+        <a:font script="Beng" typeface="Vrinda"/>
+        <a:font script="Gujr" typeface="Shruti"/>
+        <a:font script="Khmr" typeface="MoolBoran"/>
+        <a:font script="Knda" typeface="Tunga"/>
+        <a:font script="Guru" typeface="Raavi"/>
+        <a:font script="Cans" typeface="Euphemia"/>
+        <a:font script="Cher" typeface="Plantagenet Cherokee"/>
+        <a:font script="Yiii" typeface="Microsoft Yi Baiti"/>
+        <a:font script="Tibt" typeface="Microsoft Himalaya"/>
+        <a:font script="Thaa" typeface="MV Boli"/>
+        <a:font script="Deva" typeface="Mangal"/>
+        <a:font script="Telu" typeface="Gautami"/>
+        <a:font script="Taml" typeface="Latha"/>
+        <a:font script="Syrc" typeface="Estrangelo Edessa"/>
+        <a:font script="Orya" typeface="Kalinga"/>
+        <a:font script="Mlym" typeface="Kartika"/>
+        <a:font script="Laoo" typeface="DokChampa"/>
+        <a:font script="Sinh" typeface="Iskoola Pota"/>
+        <a:font script="Mong" typeface="Mongolian Baiti"/>
+        <a:font script="Viet" typeface="Times New Roman"/>
+        <a:font script="Uigh" typeface="Microsoft Uighur"/>
+        <a:font script="Geor" typeface="Sylfaen"/>
+        <a:font script="Armn" typeface="Arial"/>
+        <a:font script="Bugi" typeface="Leelawadee UI"/>
+        <a:font script="Bopo" typeface="Microsoft JhengHei"/>
+        <a:font script="Java" typeface="Javanese Text"/>
+        <a:font script="Lisu" typeface="Segoe UI"/>
+        <a:font script="Mymr" typeface="Myanmar Text"/>
+        <a:font script="Nkoo" typeface="Ebrima"/>
+        <a:font script="Olck" typeface="Nirmala UI"/>
+        <a:font script="Osma" typeface="Ebrima"/>
+        <a:font script="Phag" typeface="Phagspa"/>
+        <a:font script="Syrn" typeface="Estrangelo Edessa"/>
+        <a:font script="Syrj" typeface="Estrangelo Edessa"/>
+        <a:font script="Syre" typeface="Estrangelo Edessa"/>
+        <a:font script="Sora" typeface="Nirmala UI"/>
+        <a:font script="Tale" typeface="Microsoft Tai Le"/>
+        <a:font script="Talu" typeface="Microsoft New Tai Lue"/>
+        <a:font script="Tfng" typeface="Ebrima"/>
+      </a:majorFont>
+      <a:minorFont>
+        <a:latin typeface="맑은 고딕" panose="02110004020202020204"/>
+        <a:ea typeface=""/>
+        <a:cs typeface=""/>
+        <a:font script="Jpan" typeface="游ゴシック"/>
+        <a:font script="Hang" typeface="맑은 고딕"/>
+        <a:font script="Hans" typeface="等线"/>
+        <a:font script="Hant" typeface="新細明體"/>
+        <a:font script="Arab" typeface="Arial"/>
+        <a:font script="Hebr" typeface="Arial"/>
+        <a:font script="Thai" typeface="Cordia New"/>
+        <a:font script="Ethi" typeface="Nyala"/>
+        <a:font script="Beng" typeface="Vrinda"/>
+        <a:font script="Gujr" typeface="Shruti"/>
+        <a:font script="Khmr" typeface="DaunPenh"/>
+        <a:font script="Knda" typeface="Tunga"/>
+        <a:font script="Guru" typeface="Raavi"/>
+        <a:font script="Cans" typeface="Euphemia"/>
+        <a:font script="Cher" typeface="Plantagenet Cherokee"/>
+        <a:font script="Yiii" typeface="Microsoft Yi Baiti"/>
+        <a:font script="Tibt" typeface="Microsoft Himalaya"/>
+        <a:font script="Thaa" typeface="MV Boli"/>
+        <a:font script="Deva" typeface="Mangal"/>
+        <a:font script="Telu" typeface="Gautami"/>
+        <a:font script="Taml" typeface="Latha"/>
+        <a:font script="Syrc" typeface="Estrangelo Edessa"/>
+        <a:font script="Orya" typeface="Kalinga"/>
+        <a:font script="Mlym" typeface="Kartika"/>
+        <a:font script="Laoo" typeface="DokChampa"/>
+        <a:font script="Sinh" typeface="Iskoola Pota"/>
+        <a:font script="Mong" typeface="Mongolian Baiti"/>
+        <a:font script="Viet" typeface="Arial"/>
+        <a:font script="Uigh" typeface="Microsoft Uighur"/>
+        <a:font script="Geor" typeface="Sylfaen"/>
+        <a:font script="Armn" typeface="Arial"/>
+        <a:font script="Bugi" typeface="Leelawadee UI"/>
+        <a:font script="Bopo" typeface="Microsoft JhengHei"/>
+        <a:font script="Java" typeface="Javanese Text"/>
+        <a:font script="Lisu" typeface="Segoe UI"/>
+        <a:font script="Mymr" typeface="Myanmar Text"/>
+        <a:font script="Nkoo" typeface="Ebrima"/>
+        <a:font script="Olck" typeface="Nirmala UI"/>
+        <a:font script="Osma" typeface="Ebrima"/>
+        <a:font script="Phag" typeface="Phagspa"/>
+        <a:font script="Syrn" typeface="Estrangelo Edessa"/>
+        <a:font script="Syrj" typeface="Estrangelo Edessa"/>
+        <a:font script="Syre" typeface="Estrangelo Edessa"/>
+        <a:font script="Sora" typeface="Nirmala UI"/>
+        <a:font script="Tale" typeface="Microsoft Tai Le"/>
+        <a:font script="Talu" typeface="Microsoft New Tai Lue"/>
+        <a:font script="Tfng" typeface="Ebrima"/>
+      </a:minorFont>
+    </a:fontScheme>
+    <a:fmtScheme name="Office">
+      <a:fillStyleLst>
+        <a:solidFill>
+          <a:schemeClr val="phClr"/>
+        </a:solidFill>
+        <a:gradFill rotWithShape="1">
+          <a:gsLst>
+            <a:gs pos="0">
+              <a:schemeClr val="phClr">
+                <a:lumMod val="110000"/>
+                <a:satMod val="105000"/>
+                <a:tint val="67000"/>
+              </a:schemeClr>
+            </a:gs>
+            <a:gs pos="50000">
+              <a:schemeClr val="phClr">
+                <a:lumMod val="105000"/>
+                <a:satMod val="103000"/>
+                <a:tint val="73000"/>
+              </a:schemeClr>
+            </a:gs>
+            <a:gs pos="100000">
+              <a:schemeClr val="phClr">
+                <a:lumMod val="105000"/>
+                <a:satMod val="109000"/>
+                <a:tint val="81000"/>
+              </a:schemeClr>
+            </a:gs>
+          </a:gsLst>
+          <a:lin ang="5400000" scaled="0"/>
+        </a:gradFill>
+        <a:gradFill rotWithShape="1">
+          <a:gsLst>
+            <a:gs pos="0">
+              <a:schemeClr val="phClr">
+                <a:satMod val="103000"/>
+                <a:lumMod val="102000"/>
+                <a:tint val="94000"/>
+              </a:schemeClr>
+            </a:gs>
+            <a:gs pos="50000">
+              <a:schemeClr val="phClr">
+                <a:satMod val="110000"/>
+                <a:lumMod val="100000"/>
+                <a:shade val="100000"/>
+              </a:schemeClr>
+            </a:gs>
+            <a:gs pos="100000">
+              <a:schemeClr val="phClr">
+                <a:lumMod val="99000"/>
+                <a:satMod val="120000"/>
+                <a:shade val="78000"/>
+              </a:schemeClr>
+            </a:gs>
+          </a:gsLst>
+          <a:lin ang="5400000" scaled="0"/>
+        </a:gradFill>
+      </a:fillStyleLst>
+      <a:lnStyleLst>
+        <a:ln w="12700" cap="flat" cmpd="sng" algn="ctr">
+          <a:solidFill>
+            <a:schemeClr val="phClr"/>
+          </a:solidFill>
+          <a:prstDash val="solid"/>
+          <a:miter lim="800000"/>
+        </a:ln>
+        <a:ln w="19050" cap="flat" cmpd="sng" algn="ctr">
+          <a:solidFill>
+            <a:schemeClr val="phClr"/>
+          </a:solidFill>
+          <a:prstDash val="solid"/>
+          <a:miter lim="800000"/>
+        </a:ln>
+        <a:ln w="25400" cap="flat" cmpd="sng" algn="ctr">
+          <a:solidFill>
+            <a:schemeClr val="phClr"/>
+          </a:solidFill>
+          <a:prstDash val="solid"/>
+          <a:miter lim="800000"/>
+        </a:ln>
+      </a:lnStyleLst>
+      <a:effectStyleLst>
+        <a:effectStyle>
+          <a:effectLst/>
+        </a:effectStyle>
+        <a:effectStyle>
+          <a:effectLst/>
+        </a:effectStyle>
+        <a:effectStyle>
+          <a:effectLst>
+            <a:outerShdw blurRad="57150" dist="19050" dir="5400000" algn="ctr" rotWithShape="0">
+              <a:srgbClr val="000000">
+                <a:alpha val="63000"/>
+              </a:srgbClr>
+            </a:outerShdw>
+          </a:effectLst>
+        </a:effectStyle>
+      </a:effectStyleLst>
+      <a:bgFillStyleLst>
+        <a:solidFill>
+          <a:schemeClr val="phClr"/>
+        </a:solidFill>
+        <a:solidFill>
+          <a:schemeClr val="phClr">
+            <a:tint val="95000"/>
+            <a:satMod val="170000"/>
+          </a:schemeClr>
+        </a:solidFill>
+        <a:gradFill rotWithShape="1">
+          <a:gsLst>
+            <a:gs pos="0">
+              <a:schemeClr val="phClr">
+                <a:tint val="93000"/>
+                <a:satMod val="150000"/>
+                <a:shade val="98000"/>
+                <a:lumMod val="102000"/>
+              </a:schemeClr>
+            </a:gs>
+            <a:gs pos="50000">
+              <a:schemeClr val="phClr">
+                <a:tint val="98000"/>
+                <a:satMod val="130000"/>
+                <a:shade val="90000"/>
+                <a:lumMod val="103000"/>
+              </a:schemeClr>
+            </a:gs>
+            <a:gs pos="100000">
+              <a:schemeClr val="phClr">
+                <a:shade val="63000"/>
+                <a:satMod val="120000"/>
+              </a:schemeClr>
+            </a:gs>
+          </a:gsLst>
+          <a:lin ang="5400000" scaled="0"/>
+        </a:gradFill>
+      </a:bgFillStyleLst>
+    </a:fmtScheme>
+  </a:themeElements>
+  <a:objectDefaults>
+    <a:lnDef>
+      <a:spPr/>
+      <a:bodyPr/>
+      <a:lstStyle/>
+      <a:style>
+        <a:lnRef idx="2">
+          <a:schemeClr val="accent1"/>
+        </a:lnRef>
+        <a:fillRef idx="0">
+          <a:schemeClr val="accent1"/>
+        </a:fillRef>
+        <a:effectRef idx="1">
+          <a:schemeClr val="accent1"/>
+        </a:effectRef>
+        <a:fontRef idx="minor">
+          <a:schemeClr val="tx1"/>
+        </a:fontRef>
+      </a:style>
+    </a:lnDef>
+  </a:objectDefaults>
+  <a:extraClrSchemeLst/>
+  <a:extLst>
+    <a:ext uri="{05A4C25C-085E-4340-85A3-A5531E510DB2}">
+      <thm15:themeFamily xmlns:thm15="http://schemas.microsoft.com/office/thememl/2012/main" name="Office Theme" id="{2E142A2C-CD16-42D6-873A-C26D2A0506FA}" vid="{1BDDFF52-6CD6-40A5-AB3C-68EB2F1E4D0A}"/>
+    </a:ext>
+  </a:extLst>
+</a:theme>
 </file>